--- a/doc/Task03/Task3.pptx
+++ b/doc/Task03/Task3.pptx
@@ -5,17 +5,21 @@
     <p:sldMasterId id="2147483669" r:id="rId4"/>
   </p:sldMasterIdLst>
   <p:notesMasterIdLst>
-    <p:notesMasterId r:id="rId10"/>
+    <p:notesMasterId r:id="rId14"/>
   </p:notesMasterIdLst>
   <p:handoutMasterIdLst>
-    <p:handoutMasterId r:id="rId11"/>
+    <p:handoutMasterId r:id="rId15"/>
   </p:handoutMasterIdLst>
   <p:sldIdLst>
     <p:sldId id="259" r:id="rId5"/>
     <p:sldId id="304" r:id="rId6"/>
     <p:sldId id="306" r:id="rId7"/>
     <p:sldId id="307" r:id="rId8"/>
-    <p:sldId id="305" r:id="rId9"/>
+    <p:sldId id="308" r:id="rId9"/>
+    <p:sldId id="309" r:id="rId10"/>
+    <p:sldId id="310" r:id="rId11"/>
+    <p:sldId id="311" r:id="rId12"/>
+    <p:sldId id="305" r:id="rId13"/>
   </p:sldIdLst>
   <p:sldSz cx="9144000" cy="6858000" type="screen4x3"/>
   <p:notesSz cx="6669088" cy="9926638"/>
@@ -146,7 +150,7 @@
   </p:defaultTextStyle>
   <p:extLst>
     <p:ext uri="{EFAFB233-063F-42B5-8137-9DF3F51BA10A}">
-      <p15:sldGuideLst xmlns:p15="http://schemas.microsoft.com/office/powerpoint/2012/main">
+      <p15:sldGuideLst xmlns:p15="http://schemas.microsoft.com/office/powerpoint/2012/main" xmlns="">
         <p15:guide id="1" orient="horz" pos="2160">
           <p15:clr>
             <a:srgbClr val="A4A3A4"/>
@@ -160,7 +164,7 @@
       </p15:sldGuideLst>
     </p:ext>
     <p:ext uri="{2D200454-40CA-4A62-9FC3-DE9A4176ACB9}">
-      <p15:notesGuideLst xmlns:p15="http://schemas.microsoft.com/office/powerpoint/2012/main">
+      <p15:notesGuideLst xmlns:p15="http://schemas.microsoft.com/office/powerpoint/2012/main" xmlns="">
         <p15:guide id="1" orient="horz" pos="3127">
           <p15:clr>
             <a:srgbClr val="A4A3A4"/>
@@ -1116,15 +1120,15 @@
             <a:noFill/>
           </a:ln>
           <a:extLst>
-            <a:ext uri="{909E8E84-426E-40dd-AFC4-6F175D3DCCD1}">
-              <a14:hiddenFill xmlns:a14="http://schemas.microsoft.com/office/drawing/2010/main" xmlns="">
+            <a:ext uri="{909E8E84-426E-40DD-AFC4-6F175D3DCCD1}">
+              <a14:hiddenFill xmlns:a14="http://schemas.microsoft.com/office/drawing/2010/main">
                 <a:solidFill>
                   <a:srgbClr val="FFFFFF"/>
                 </a:solidFill>
               </a14:hiddenFill>
             </a:ext>
-            <a:ext uri="{91240B29-F687-4f45-9708-019B960494DF}">
-              <a14:hiddenLine xmlns:a14="http://schemas.microsoft.com/office/drawing/2010/main" xmlns="" w="9525">
+            <a:ext uri="{91240B29-F687-4F45-9708-019B960494DF}">
+              <a14:hiddenLine xmlns:a14="http://schemas.microsoft.com/office/drawing/2010/main" w="9525">
                 <a:solidFill>
                   <a:srgbClr val="000000"/>
                 </a:solidFill>
@@ -2856,15 +2860,15 @@
             <a:noFill/>
           </a:ln>
           <a:extLst>
-            <a:ext uri="{909E8E84-426E-40dd-AFC4-6F175D3DCCD1}">
-              <a14:hiddenFill xmlns:a14="http://schemas.microsoft.com/office/drawing/2010/main" xmlns="">
+            <a:ext uri="{909E8E84-426E-40DD-AFC4-6F175D3DCCD1}">
+              <a14:hiddenFill xmlns:a14="http://schemas.microsoft.com/office/drawing/2010/main">
                 <a:solidFill>
                   <a:srgbClr val="FFFFFF"/>
                 </a:solidFill>
               </a14:hiddenFill>
             </a:ext>
-            <a:ext uri="{91240B29-F687-4f45-9708-019B960494DF}">
-              <a14:hiddenLine xmlns:a14="http://schemas.microsoft.com/office/drawing/2010/main" xmlns="" w="9525">
+            <a:ext uri="{91240B29-F687-4F45-9708-019B960494DF}">
+              <a14:hiddenLine xmlns:a14="http://schemas.microsoft.com/office/drawing/2010/main" w="9525">
                 <a:solidFill>
                   <a:srgbClr val="000000"/>
                 </a:solidFill>
@@ -6337,15 +6341,15 @@
             <a:noFill/>
           </a:ln>
           <a:extLst>
-            <a:ext uri="{909E8E84-426E-40dd-AFC4-6F175D3DCCD1}">
-              <a14:hiddenFill xmlns:a14="http://schemas.microsoft.com/office/drawing/2010/main" xmlns="">
+            <a:ext uri="{909E8E84-426E-40DD-AFC4-6F175D3DCCD1}">
+              <a14:hiddenFill xmlns:a14="http://schemas.microsoft.com/office/drawing/2010/main">
                 <a:solidFill>
                   <a:srgbClr val="FFFFFF"/>
                 </a:solidFill>
               </a14:hiddenFill>
             </a:ext>
-            <a:ext uri="{91240B29-F687-4f45-9708-019B960494DF}">
-              <a14:hiddenLine xmlns:a14="http://schemas.microsoft.com/office/drawing/2010/main" xmlns="" w="9525">
+            <a:ext uri="{91240B29-F687-4F45-9708-019B960494DF}">
+              <a14:hiddenLine xmlns:a14="http://schemas.microsoft.com/office/drawing/2010/main" w="9525">
                 <a:solidFill>
                   <a:srgbClr val="000000"/>
                 </a:solidFill>
@@ -7121,11 +7125,7 @@
           <a:p>
             <a:r>
               <a:rPr lang="de-DE" dirty="0" smtClean="0"/>
-              <a:t>CS1: </a:t>
-            </a:r>
-            <a:r>
-              <a:rPr lang="de-DE" dirty="0" smtClean="0"/>
-              <a:t>Task </a:t>
+              <a:t>CS1: Task </a:t>
             </a:r>
             <a:r>
               <a:rPr lang="de-DE" dirty="0"/>
@@ -7152,11 +7152,7 @@
           <a:p>
             <a:r>
               <a:rPr lang="de-CH" b="1" dirty="0" smtClean="0"/>
-              <a:t>14.10.15, </a:t>
-            </a:r>
-            <a:r>
-              <a:rPr lang="de-CH" b="1" dirty="0" smtClean="0"/>
-              <a:t>Gruppe Blau</a:t>
+              <a:t>14.10.15, Gruppe Blau</a:t>
             </a:r>
             <a:endParaRPr lang="de-DE" b="1" dirty="0"/>
           </a:p>
@@ -7736,11 +7732,11 @@
   <p:clrMapOvr>
     <a:masterClrMapping/>
   </p:clrMapOvr>
-  <mc:AlternateContent xmlns:mc="http://schemas.openxmlformats.org/markup-compatibility/2006">
-    <mc:Choice xmlns:p14="http://schemas.microsoft.com/office/powerpoint/2010/main" Requires="p14">
+  <mc:AlternateContent xmlns:mc="http://schemas.openxmlformats.org/markup-compatibility/2006" xmlns:p14="http://schemas.microsoft.com/office/powerpoint/2010/main">
+    <mc:Choice Requires="p14">
       <p:transition p14:dur="0"/>
     </mc:Choice>
-    <mc:Fallback>
+    <mc:Fallback xmlns="">
       <p:transition/>
     </mc:Fallback>
   </mc:AlternateContent>
@@ -8015,6 +8011,294 @@
 </file>
 
 <file path=ppt/slides/slide5.xml><?xml version="1.0" encoding="utf-8"?>
+<p:sld xmlns:a="http://schemas.openxmlformats.org/drawingml/2006/main" xmlns:r="http://schemas.openxmlformats.org/officeDocument/2006/relationships" xmlns:p="http://schemas.openxmlformats.org/presentationml/2006/main">
+  <p:cSld>
+    <p:spTree>
+      <p:nvGrpSpPr>
+        <p:cNvPr id="1" name=""/>
+        <p:cNvGrpSpPr/>
+        <p:nvPr/>
+      </p:nvGrpSpPr>
+      <p:grpSpPr>
+        <a:xfrm>
+          <a:off x="0" y="0"/>
+          <a:ext cx="0" cy="0"/>
+          <a:chOff x="0" y="0"/>
+          <a:chExt cx="0" cy="0"/>
+        </a:xfrm>
+      </p:grpSpPr>
+      <p:sp>
+        <p:nvSpPr>
+          <p:cNvPr id="2" name="Inhaltsplatzhalter 1"/>
+          <p:cNvSpPr>
+            <a:spLocks noGrp="1"/>
+          </p:cNvSpPr>
+          <p:nvPr>
+            <p:ph sz="half" idx="1"/>
+          </p:nvPr>
+        </p:nvSpPr>
+        <p:spPr/>
+        <p:txBody>
+          <a:bodyPr/>
+          <a:lstStyle/>
+          <a:p>
+            <a:endParaRPr lang="de-CH"/>
+          </a:p>
+        </p:txBody>
+      </p:sp>
+      <p:sp>
+        <p:nvSpPr>
+          <p:cNvPr id="3" name="Titel 2"/>
+          <p:cNvSpPr>
+            <a:spLocks noGrp="1"/>
+          </p:cNvSpPr>
+          <p:nvPr>
+            <p:ph type="ctrTitle"/>
+          </p:nvPr>
+        </p:nvSpPr>
+        <p:spPr/>
+        <p:txBody>
+          <a:bodyPr/>
+          <a:lstStyle/>
+          <a:p>
+            <a:r>
+              <a:rPr lang="de-CH" dirty="0" err="1" smtClean="0"/>
+              <a:t>Synthesize</a:t>
+            </a:r>
+            <a:endParaRPr lang="de-CH" dirty="0"/>
+          </a:p>
+        </p:txBody>
+      </p:sp>
+    </p:spTree>
+    <p:extLst>
+      <p:ext uri="{BB962C8B-B14F-4D97-AF65-F5344CB8AC3E}">
+        <p14:creationId xmlns:p14="http://schemas.microsoft.com/office/powerpoint/2010/main" val="4087529979"/>
+      </p:ext>
+    </p:extLst>
+  </p:cSld>
+  <p:clrMapOvr>
+    <a:masterClrMapping/>
+  </p:clrMapOvr>
+</p:sld>
+</file>
+
+<file path=ppt/slides/slide6.xml><?xml version="1.0" encoding="utf-8"?>
+<p:sld xmlns:a="http://schemas.openxmlformats.org/drawingml/2006/main" xmlns:r="http://schemas.openxmlformats.org/officeDocument/2006/relationships" xmlns:p="http://schemas.openxmlformats.org/presentationml/2006/main">
+  <p:cSld>
+    <p:spTree>
+      <p:nvGrpSpPr>
+        <p:cNvPr id="1" name=""/>
+        <p:cNvGrpSpPr/>
+        <p:nvPr/>
+      </p:nvGrpSpPr>
+      <p:grpSpPr>
+        <a:xfrm>
+          <a:off x="0" y="0"/>
+          <a:ext cx="0" cy="0"/>
+          <a:chOff x="0" y="0"/>
+          <a:chExt cx="0" cy="0"/>
+        </a:xfrm>
+      </p:grpSpPr>
+      <p:sp>
+        <p:nvSpPr>
+          <p:cNvPr id="2" name="Inhaltsplatzhalter 1"/>
+          <p:cNvSpPr>
+            <a:spLocks noGrp="1"/>
+          </p:cNvSpPr>
+          <p:nvPr>
+            <p:ph sz="half" idx="1"/>
+          </p:nvPr>
+        </p:nvSpPr>
+        <p:spPr/>
+        <p:txBody>
+          <a:bodyPr/>
+          <a:lstStyle/>
+          <a:p>
+            <a:endParaRPr lang="de-CH"/>
+          </a:p>
+        </p:txBody>
+      </p:sp>
+      <p:sp>
+        <p:nvSpPr>
+          <p:cNvPr id="3" name="Titel 2"/>
+          <p:cNvSpPr>
+            <a:spLocks noGrp="1"/>
+          </p:cNvSpPr>
+          <p:nvPr>
+            <p:ph type="ctrTitle"/>
+          </p:nvPr>
+        </p:nvSpPr>
+        <p:spPr/>
+        <p:txBody>
+          <a:bodyPr/>
+          <a:lstStyle/>
+          <a:p>
+            <a:r>
+              <a:rPr lang="de-CH" dirty="0" smtClean="0"/>
+              <a:t>Design</a:t>
+            </a:r>
+            <a:endParaRPr lang="de-CH" dirty="0"/>
+          </a:p>
+        </p:txBody>
+      </p:sp>
+    </p:spTree>
+    <p:extLst>
+      <p:ext uri="{BB962C8B-B14F-4D97-AF65-F5344CB8AC3E}">
+        <p14:creationId xmlns:p14="http://schemas.microsoft.com/office/powerpoint/2010/main" val="2772796197"/>
+      </p:ext>
+    </p:extLst>
+  </p:cSld>
+  <p:clrMapOvr>
+    <a:masterClrMapping/>
+  </p:clrMapOvr>
+</p:sld>
+</file>
+
+<file path=ppt/slides/slide7.xml><?xml version="1.0" encoding="utf-8"?>
+<p:sld xmlns:a="http://schemas.openxmlformats.org/drawingml/2006/main" xmlns:r="http://schemas.openxmlformats.org/officeDocument/2006/relationships" xmlns:p="http://schemas.openxmlformats.org/presentationml/2006/main">
+  <p:cSld>
+    <p:spTree>
+      <p:nvGrpSpPr>
+        <p:cNvPr id="1" name=""/>
+        <p:cNvGrpSpPr/>
+        <p:nvPr/>
+      </p:nvGrpSpPr>
+      <p:grpSpPr>
+        <a:xfrm>
+          <a:off x="0" y="0"/>
+          <a:ext cx="0" cy="0"/>
+          <a:chOff x="0" y="0"/>
+          <a:chExt cx="0" cy="0"/>
+        </a:xfrm>
+      </p:grpSpPr>
+      <p:sp>
+        <p:nvSpPr>
+          <p:cNvPr id="2" name="Inhaltsplatzhalter 1"/>
+          <p:cNvSpPr>
+            <a:spLocks noGrp="1"/>
+          </p:cNvSpPr>
+          <p:nvPr>
+            <p:ph sz="half" idx="1"/>
+          </p:nvPr>
+        </p:nvSpPr>
+        <p:spPr/>
+        <p:txBody>
+          <a:bodyPr/>
+          <a:lstStyle/>
+          <a:p>
+            <a:endParaRPr lang="de-CH"/>
+          </a:p>
+        </p:txBody>
+      </p:sp>
+      <p:sp>
+        <p:nvSpPr>
+          <p:cNvPr id="3" name="Titel 2"/>
+          <p:cNvSpPr>
+            <a:spLocks noGrp="1"/>
+          </p:cNvSpPr>
+          <p:nvPr>
+            <p:ph type="ctrTitle"/>
+          </p:nvPr>
+        </p:nvSpPr>
+        <p:spPr/>
+        <p:txBody>
+          <a:bodyPr/>
+          <a:lstStyle/>
+          <a:p>
+            <a:r>
+              <a:rPr lang="de-CH" dirty="0" smtClean="0"/>
+              <a:t>Prototype</a:t>
+            </a:r>
+            <a:endParaRPr lang="de-CH" dirty="0"/>
+          </a:p>
+        </p:txBody>
+      </p:sp>
+    </p:spTree>
+    <p:extLst>
+      <p:ext uri="{BB962C8B-B14F-4D97-AF65-F5344CB8AC3E}">
+        <p14:creationId xmlns:p14="http://schemas.microsoft.com/office/powerpoint/2010/main" val="1251349615"/>
+      </p:ext>
+    </p:extLst>
+  </p:cSld>
+  <p:clrMapOvr>
+    <a:masterClrMapping/>
+  </p:clrMapOvr>
+</p:sld>
+</file>
+
+<file path=ppt/slides/slide8.xml><?xml version="1.0" encoding="utf-8"?>
+<p:sld xmlns:a="http://schemas.openxmlformats.org/drawingml/2006/main" xmlns:r="http://schemas.openxmlformats.org/officeDocument/2006/relationships" xmlns:p="http://schemas.openxmlformats.org/presentationml/2006/main">
+  <p:cSld>
+    <p:spTree>
+      <p:nvGrpSpPr>
+        <p:cNvPr id="1" name=""/>
+        <p:cNvGrpSpPr/>
+        <p:nvPr/>
+      </p:nvGrpSpPr>
+      <p:grpSpPr>
+        <a:xfrm>
+          <a:off x="0" y="0"/>
+          <a:ext cx="0" cy="0"/>
+          <a:chOff x="0" y="0"/>
+          <a:chExt cx="0" cy="0"/>
+        </a:xfrm>
+      </p:grpSpPr>
+      <p:sp>
+        <p:nvSpPr>
+          <p:cNvPr id="2" name="Inhaltsplatzhalter 1"/>
+          <p:cNvSpPr>
+            <a:spLocks noGrp="1"/>
+          </p:cNvSpPr>
+          <p:nvPr>
+            <p:ph sz="half" idx="1"/>
+          </p:nvPr>
+        </p:nvSpPr>
+        <p:spPr/>
+        <p:txBody>
+          <a:bodyPr/>
+          <a:lstStyle/>
+          <a:p>
+            <a:endParaRPr lang="de-CH"/>
+          </a:p>
+        </p:txBody>
+      </p:sp>
+      <p:sp>
+        <p:nvSpPr>
+          <p:cNvPr id="3" name="Titel 2"/>
+          <p:cNvSpPr>
+            <a:spLocks noGrp="1"/>
+          </p:cNvSpPr>
+          <p:nvPr>
+            <p:ph type="ctrTitle"/>
+          </p:nvPr>
+        </p:nvSpPr>
+        <p:spPr/>
+        <p:txBody>
+          <a:bodyPr/>
+          <a:lstStyle/>
+          <a:p>
+            <a:r>
+              <a:rPr lang="de-CH" dirty="0" err="1" smtClean="0"/>
+              <a:t>Valitation</a:t>
+            </a:r>
+            <a:endParaRPr lang="de-CH" dirty="0"/>
+          </a:p>
+        </p:txBody>
+      </p:sp>
+    </p:spTree>
+    <p:extLst>
+      <p:ext uri="{BB962C8B-B14F-4D97-AF65-F5344CB8AC3E}">
+        <p14:creationId xmlns:p14="http://schemas.microsoft.com/office/powerpoint/2010/main" val="605634403"/>
+      </p:ext>
+    </p:extLst>
+  </p:cSld>
+  <p:clrMapOvr>
+    <a:masterClrMapping/>
+  </p:clrMapOvr>
+</p:sld>
+</file>
+
+<file path=ppt/slides/slide9.xml><?xml version="1.0" encoding="utf-8"?>
 <p:sld xmlns:a="http://schemas.openxmlformats.org/drawingml/2006/main" xmlns:r="http://schemas.openxmlformats.org/officeDocument/2006/relationships" xmlns:p="http://schemas.openxmlformats.org/presentationml/2006/main">
   <p:cSld>
     <p:spTree>
@@ -8905,6 +9189,23 @@
 </file>
 
 <file path=customXml/item1.xml><?xml version="1.0" encoding="utf-8"?>
+<p:properties xmlns:p="http://schemas.microsoft.com/office/2006/metadata/properties" xmlns:xsi="http://www.w3.org/2001/XMLSchema-instance">
+  <documentManagement>
+    <AVMTitle xmlns="5091c847-84be-4f4f-b16c-c018ad2ca66b">Präsentation BFH_2013</AVMTitle>
+  </documentManagement>
+</p:properties>
+</file>
+
+<file path=customXml/item2.xml><?xml version="1.0" encoding="utf-8"?>
+<?mso-contentType ?>
+<FormTemplates xmlns="http://schemas.microsoft.com/sharepoint/v3/contenttype/forms">
+  <Display>DocumentLibraryForm</Display>
+  <Edit>DocumentLibraryForm</Edit>
+  <New>DocumentLibraryForm</New>
+</FormTemplates>
+</file>
+
+<file path=customXml/item3.xml><?xml version="1.0" encoding="utf-8"?>
 <ct:contentTypeSchema xmlns:ct="http://schemas.microsoft.com/office/2006/metadata/contentType" xmlns:ma="http://schemas.microsoft.com/office/2006/metadata/properties/metaAttributes" ct:_="" ma:_="" ma:contentTypeName="Dokument" ma:contentTypeID="0x010100EBE3A9EFF36793468C03E2811ACE2A2B" ma:contentTypeVersion="1" ma:contentTypeDescription="Ein neues Dokument erstellen." ma:contentTypeScope="" ma:versionID="e65be32cb1bfff77fc8c9c09bf542651">
   <xsd:schema xmlns:xsd="http://www.w3.org/2001/XMLSchema" xmlns:p="http://schemas.microsoft.com/office/2006/metadata/properties" xmlns:ns2="5091c847-84be-4f4f-b16c-c018ad2ca66b" targetNamespace="http://schemas.microsoft.com/office/2006/metadata/properties" ma:root="true" ma:fieldsID="7636c84aed5b7d09a166fcef888725d4" ns2:_="">
     <xsd:import namespace="5091c847-84be-4f4f-b16c-c018ad2ca66b"/>
@@ -8964,24 +9265,30 @@
 </ct:contentTypeSchema>
 </file>
 
-<file path=customXml/item2.xml><?xml version="1.0" encoding="utf-8"?>
-<?mso-contentType ?>
-<FormTemplates xmlns="http://schemas.microsoft.com/sharepoint/v3/contenttype/forms">
-  <Display>DocumentLibraryForm</Display>
-  <Edit>DocumentLibraryForm</Edit>
-  <New>DocumentLibraryForm</New>
-</FormTemplates>
+<file path=customXml/itemProps1.xml><?xml version="1.0" encoding="utf-8"?>
+<ds:datastoreItem xmlns:ds="http://schemas.openxmlformats.org/officeDocument/2006/customXml" ds:itemID="{32991507-CB83-4F49-BAFB-D322B1D04098}">
+  <ds:schemaRefs>
+    <ds:schemaRef ds:uri="http://purl.org/dc/terms/"/>
+    <ds:schemaRef ds:uri="http://schemas.openxmlformats.org/package/2006/metadata/core-properties"/>
+    <ds:schemaRef ds:uri="http://schemas.microsoft.com/office/2006/documentManagement/types"/>
+    <ds:schemaRef ds:uri="5091c847-84be-4f4f-b16c-c018ad2ca66b"/>
+    <ds:schemaRef ds:uri="http://purl.org/dc/elements/1.1/"/>
+    <ds:schemaRef ds:uri="http://schemas.microsoft.com/office/2006/metadata/properties"/>
+    <ds:schemaRef ds:uri="http://www.w3.org/XML/1998/namespace"/>
+    <ds:schemaRef ds:uri="http://purl.org/dc/dcmitype/"/>
+  </ds:schemaRefs>
+</ds:datastoreItem>
 </file>
 
-<file path=customXml/item3.xml><?xml version="1.0" encoding="utf-8"?>
-<p:properties xmlns:p="http://schemas.microsoft.com/office/2006/metadata/properties" xmlns:xsi="http://www.w3.org/2001/XMLSchema-instance">
-  <documentManagement>
-    <AVMTitle xmlns="5091c847-84be-4f4f-b16c-c018ad2ca66b">Präsentation BFH_2013</AVMTitle>
-  </documentManagement>
-</p:properties>
+<file path=customXml/itemProps2.xml><?xml version="1.0" encoding="utf-8"?>
+<ds:datastoreItem xmlns:ds="http://schemas.openxmlformats.org/officeDocument/2006/customXml" ds:itemID="{1851D33F-E468-417B-A30C-509B68D2BD09}">
+  <ds:schemaRefs>
+    <ds:schemaRef ds:uri="http://schemas.microsoft.com/sharepoint/v3/contenttype/forms"/>
+  </ds:schemaRefs>
+</ds:datastoreItem>
 </file>
 
-<file path=customXml/itemProps1.xml><?xml version="1.0" encoding="utf-8"?>
+<file path=customXml/itemProps3.xml><?xml version="1.0" encoding="utf-8"?>
 <ds:datastoreItem xmlns:ds="http://schemas.openxmlformats.org/officeDocument/2006/customXml" ds:itemID="{15287BEA-F3FF-4B87-929B-5D0092183197}">
   <ds:schemaRefs>
     <ds:schemaRef ds:uri="http://schemas.microsoft.com/office/2006/metadata/contentType"/>
@@ -8996,27 +9303,4 @@
     <ds:schemaRef ds:uri="http://schemas.microsoft.com/office/internal/2005/internalDocumentation"/>
   </ds:schemaRefs>
 </ds:datastoreItem>
-</file>
-
-<file path=customXml/itemProps2.xml><?xml version="1.0" encoding="utf-8"?>
-<ds:datastoreItem xmlns:ds="http://schemas.openxmlformats.org/officeDocument/2006/customXml" ds:itemID="{1851D33F-E468-417B-A30C-509B68D2BD09}">
-  <ds:schemaRefs>
-    <ds:schemaRef ds:uri="http://schemas.microsoft.com/sharepoint/v3/contenttype/forms"/>
-  </ds:schemaRefs>
-</ds:datastoreItem>
-</file>
-
-<file path=customXml/itemProps3.xml><?xml version="1.0" encoding="utf-8"?>
-<ds:datastoreItem xmlns:ds="http://schemas.openxmlformats.org/officeDocument/2006/customXml" ds:itemID="{32991507-CB83-4F49-BAFB-D322B1D04098}">
-  <ds:schemaRefs>
-    <ds:schemaRef ds:uri="http://purl.org/dc/terms/"/>
-    <ds:schemaRef ds:uri="http://schemas.openxmlformats.org/package/2006/metadata/core-properties"/>
-    <ds:schemaRef ds:uri="http://schemas.microsoft.com/office/2006/documentManagement/types"/>
-    <ds:schemaRef ds:uri="5091c847-84be-4f4f-b16c-c018ad2ca66b"/>
-    <ds:schemaRef ds:uri="http://purl.org/dc/elements/1.1/"/>
-    <ds:schemaRef ds:uri="http://schemas.microsoft.com/office/2006/metadata/properties"/>
-    <ds:schemaRef ds:uri="http://www.w3.org/XML/1998/namespace"/>
-    <ds:schemaRef ds:uri="http://purl.org/dc/dcmitype/"/>
-  </ds:schemaRefs>
-</ds:datastoreItem>
 </file>
--- a/doc/Task03/Task3.pptx
+++ b/doc/Task03/Task3.pptx
@@ -150,7 +150,7 @@
   </p:defaultTextStyle>
   <p:extLst>
     <p:ext uri="{EFAFB233-063F-42B5-8137-9DF3F51BA10A}">
-      <p15:sldGuideLst xmlns:p15="http://schemas.microsoft.com/office/powerpoint/2012/main" xmlns="">
+      <p15:sldGuideLst xmlns:p15="http://schemas.microsoft.com/office/powerpoint/2012/main">
         <p15:guide id="1" orient="horz" pos="2160">
           <p15:clr>
             <a:srgbClr val="A4A3A4"/>
@@ -164,7 +164,7 @@
       </p15:sldGuideLst>
     </p:ext>
     <p:ext uri="{2D200454-40CA-4A62-9FC3-DE9A4176ACB9}">
-      <p15:notesGuideLst xmlns:p15="http://schemas.microsoft.com/office/powerpoint/2012/main" xmlns="">
+      <p15:notesGuideLst xmlns:p15="http://schemas.microsoft.com/office/powerpoint/2012/main">
         <p15:guide id="1" orient="horz" pos="3127">
           <p15:clr>
             <a:srgbClr val="A4A3A4"/>
@@ -263,7 +263,7 @@
           <a:p>
             <a:fld id="{EFA0D184-D464-48E9-9CA0-A94E873F6C2C}" type="datetimeFigureOut">
               <a:rPr lang="de-CH" smtClean="0"/>
-              <a:t>12.10.2015</a:t>
+              <a:t>13.10.2015</a:t>
             </a:fld>
             <a:endParaRPr lang="de-CH"/>
           </a:p>
@@ -428,7 +428,7 @@
           <a:p>
             <a:fld id="{5AF2B663-2BA9-4D7E-8201-5DE4109E1EDD}" type="datetimeFigureOut">
               <a:rPr lang="de-CH" smtClean="0"/>
-              <a:t>12.10.2015</a:t>
+              <a:t>13.10.2015</a:t>
             </a:fld>
             <a:endParaRPr lang="de-CH"/>
           </a:p>
@@ -7963,7 +7963,77 @@
           <a:bodyPr/>
           <a:lstStyle/>
           <a:p>
-            <a:endParaRPr lang="en-GB"/>
+            <a:r>
+              <a:rPr lang="de-CH" dirty="0" smtClean="0"/>
+              <a:t>Interview </a:t>
+            </a:r>
+            <a:r>
+              <a:rPr lang="de-CH" dirty="0" err="1" smtClean="0"/>
+              <a:t>Jarno</a:t>
+            </a:r>
+            <a:r>
+              <a:rPr lang="de-CH" dirty="0"/>
+              <a:t> </a:t>
+            </a:r>
+            <a:r>
+              <a:rPr lang="de-CH" dirty="0" err="1" smtClean="0"/>
+              <a:t>Bigler</a:t>
+            </a:r>
+            <a:endParaRPr lang="de-CH" dirty="0" smtClean="0"/>
+          </a:p>
+          <a:p>
+            <a:pPr lvl="1"/>
+            <a:r>
+              <a:rPr lang="de-CH" dirty="0"/>
+              <a:t>Sozialarbeiter bei </a:t>
+            </a:r>
+            <a:r>
+              <a:rPr lang="de-CH" dirty="0" smtClean="0"/>
+              <a:t>pro </a:t>
+            </a:r>
+            <a:r>
+              <a:rPr lang="de-CH" dirty="0" err="1" smtClean="0"/>
+              <a:t>infirmis</a:t>
+            </a:r>
+            <a:endParaRPr lang="de-CH" dirty="0" smtClean="0"/>
+          </a:p>
+          <a:p>
+            <a:pPr lvl="1"/>
+            <a:r>
+              <a:rPr lang="de-CH" dirty="0" smtClean="0"/>
+              <a:t>Weitgehend nur noch beratende Tätigkeit </a:t>
+            </a:r>
+          </a:p>
+          <a:p>
+            <a:pPr lvl="1"/>
+            <a:endParaRPr lang="de-CH" dirty="0"/>
+          </a:p>
+          <a:p>
+            <a:r>
+              <a:rPr lang="de-CH" dirty="0" err="1" smtClean="0"/>
+              <a:t>Internettquellen</a:t>
+            </a:r>
+            <a:endParaRPr lang="de-CH" dirty="0" smtClean="0"/>
+          </a:p>
+          <a:p>
+            <a:pPr lvl="1"/>
+            <a:r>
+              <a:rPr lang="de-CH" dirty="0" smtClean="0"/>
+              <a:t>Arbeiten von Sozialarbeitern</a:t>
+            </a:r>
+          </a:p>
+          <a:p>
+            <a:pPr lvl="1"/>
+            <a:r>
+              <a:rPr lang="de-CH" dirty="0" smtClean="0"/>
+              <a:t>Ähnliche Software</a:t>
+            </a:r>
+          </a:p>
+          <a:p>
+            <a:pPr marL="457200" lvl="1" indent="0">
+              <a:buNone/>
+            </a:pPr>
+            <a:endParaRPr lang="en-GB" dirty="0"/>
           </a:p>
         </p:txBody>
       </p:sp>
@@ -8042,7 +8112,109 @@
           <a:bodyPr/>
           <a:lstStyle/>
           <a:p>
-            <a:endParaRPr lang="de-CH"/>
+            <a:r>
+              <a:rPr lang="de-CH" b="1" dirty="0"/>
+              <a:t>Wichtigste Punkte Recherche:</a:t>
+            </a:r>
+            <a:endParaRPr lang="en-GB" dirty="0"/>
+          </a:p>
+          <a:p>
+            <a:pPr lvl="0"/>
+            <a:r>
+              <a:rPr lang="de-CH" dirty="0" smtClean="0"/>
+              <a:t>Sozialarbeiter </a:t>
+            </a:r>
+            <a:r>
+              <a:rPr lang="de-CH" dirty="0"/>
+              <a:t>muss Tätigkeit vorweisen können</a:t>
+            </a:r>
+            <a:endParaRPr lang="en-GB" dirty="0"/>
+          </a:p>
+          <a:p>
+            <a:pPr lvl="0"/>
+            <a:r>
+              <a:rPr lang="de-CH" dirty="0" smtClean="0"/>
+              <a:t>Informationen </a:t>
+            </a:r>
+            <a:r>
+              <a:rPr lang="de-CH" dirty="0"/>
+              <a:t>zur Behinderung erfassen.</a:t>
+            </a:r>
+            <a:endParaRPr lang="en-GB" dirty="0"/>
+          </a:p>
+          <a:p>
+            <a:pPr lvl="0"/>
+            <a:r>
+              <a:rPr lang="de-CH" dirty="0"/>
+              <a:t>Informationen zu Gespräch mit Patient speichern</a:t>
+            </a:r>
+            <a:endParaRPr lang="en-GB" dirty="0"/>
+          </a:p>
+          <a:p>
+            <a:r>
+              <a:rPr lang="de-CH" b="1" dirty="0" smtClean="0"/>
+              <a:t>Wichtigste </a:t>
+            </a:r>
+            <a:r>
+              <a:rPr lang="de-CH" b="1" dirty="0"/>
+              <a:t>Punkte Interview:</a:t>
+            </a:r>
+            <a:endParaRPr lang="en-GB" dirty="0"/>
+          </a:p>
+          <a:p>
+            <a:pPr lvl="0"/>
+            <a:r>
+              <a:rPr lang="de-CH" dirty="0"/>
+              <a:t>Übersicht im Kalender (Tages- &amp; Wochenansicht)</a:t>
+            </a:r>
+            <a:endParaRPr lang="en-GB" dirty="0"/>
+          </a:p>
+          <a:p>
+            <a:pPr lvl="0"/>
+            <a:r>
+              <a:rPr lang="de-CH" dirty="0"/>
+              <a:t>Terminvereinbarung mit Patienten</a:t>
+            </a:r>
+            <a:endParaRPr lang="en-GB" dirty="0"/>
+          </a:p>
+          <a:p>
+            <a:pPr lvl="0"/>
+            <a:r>
+              <a:rPr lang="de-CH" dirty="0"/>
+              <a:t>Patientenübersicht</a:t>
+            </a:r>
+            <a:endParaRPr lang="en-GB" dirty="0"/>
+          </a:p>
+          <a:p>
+            <a:pPr lvl="0"/>
+            <a:r>
+              <a:rPr lang="de-CH" dirty="0" smtClean="0"/>
+              <a:t>Verlauf </a:t>
+            </a:r>
+            <a:r>
+              <a:rPr lang="de-CH" dirty="0"/>
+              <a:t>der Patienten im Überblick(pro Patient)</a:t>
+            </a:r>
+            <a:endParaRPr lang="en-GB" dirty="0"/>
+          </a:p>
+          <a:p>
+            <a:pPr lvl="0"/>
+            <a:r>
+              <a:rPr lang="de-CH" dirty="0"/>
+              <a:t>Ein- und Austrittsdatum Kliniken</a:t>
+            </a:r>
+            <a:endParaRPr lang="en-GB" dirty="0"/>
+          </a:p>
+          <a:p>
+            <a:pPr lvl="0"/>
+            <a:r>
+              <a:rPr lang="de-CH" dirty="0"/>
+              <a:t>Datensicherheit</a:t>
+            </a:r>
+            <a:endParaRPr lang="en-GB" dirty="0"/>
+          </a:p>
+          <a:p>
+            <a:endParaRPr lang="de-CH" dirty="0"/>
           </a:p>
         </p:txBody>
       </p:sp>
@@ -8079,6 +8251,13 @@
   <p:clrMapOvr>
     <a:masterClrMapping/>
   </p:clrMapOvr>
+  <p:timing>
+    <p:tnLst>
+      <p:par>
+        <p:cTn id="1" dur="indefinite" restart="never" nodeType="tmRoot"/>
+      </p:par>
+    </p:tnLst>
+  </p:timing>
 </p:sld>
 </file>
 
@@ -8151,6 +8330,13 @@
   <p:clrMapOvr>
     <a:masterClrMapping/>
   </p:clrMapOvr>
+  <p:timing>
+    <p:tnLst>
+      <p:par>
+        <p:cTn id="1" dur="indefinite" restart="never" nodeType="tmRoot"/>
+      </p:par>
+    </p:tnLst>
+  </p:timing>
 </p:sld>
 </file>
 
@@ -8223,6 +8409,13 @@
   <p:clrMapOvr>
     <a:masterClrMapping/>
   </p:clrMapOvr>
+  <p:timing>
+    <p:tnLst>
+      <p:par>
+        <p:cTn id="1" dur="indefinite" restart="never" nodeType="tmRoot"/>
+      </p:par>
+    </p:tnLst>
+  </p:timing>
 </p:sld>
 </file>
 
@@ -8295,6 +8488,13 @@
   <p:clrMapOvr>
     <a:masterClrMapping/>
   </p:clrMapOvr>
+  <p:timing>
+    <p:tnLst>
+      <p:par>
+        <p:cTn id="1" dur="indefinite" restart="never" nodeType="tmRoot"/>
+      </p:par>
+    </p:tnLst>
+  </p:timing>
 </p:sld>
 </file>
 
@@ -9189,23 +9389,6 @@
 </file>
 
 <file path=customXml/item1.xml><?xml version="1.0" encoding="utf-8"?>
-<p:properties xmlns:p="http://schemas.microsoft.com/office/2006/metadata/properties" xmlns:xsi="http://www.w3.org/2001/XMLSchema-instance">
-  <documentManagement>
-    <AVMTitle xmlns="5091c847-84be-4f4f-b16c-c018ad2ca66b">Präsentation BFH_2013</AVMTitle>
-  </documentManagement>
-</p:properties>
-</file>
-
-<file path=customXml/item2.xml><?xml version="1.0" encoding="utf-8"?>
-<?mso-contentType ?>
-<FormTemplates xmlns="http://schemas.microsoft.com/sharepoint/v3/contenttype/forms">
-  <Display>DocumentLibraryForm</Display>
-  <Edit>DocumentLibraryForm</Edit>
-  <New>DocumentLibraryForm</New>
-</FormTemplates>
-</file>
-
-<file path=customXml/item3.xml><?xml version="1.0" encoding="utf-8"?>
 <ct:contentTypeSchema xmlns:ct="http://schemas.microsoft.com/office/2006/metadata/contentType" xmlns:ma="http://schemas.microsoft.com/office/2006/metadata/properties/metaAttributes" ct:_="" ma:_="" ma:contentTypeName="Dokument" ma:contentTypeID="0x010100EBE3A9EFF36793468C03E2811ACE2A2B" ma:contentTypeVersion="1" ma:contentTypeDescription="Ein neues Dokument erstellen." ma:contentTypeScope="" ma:versionID="e65be32cb1bfff77fc8c9c09bf542651">
   <xsd:schema xmlns:xsd="http://www.w3.org/2001/XMLSchema" xmlns:p="http://schemas.microsoft.com/office/2006/metadata/properties" xmlns:ns2="5091c847-84be-4f4f-b16c-c018ad2ca66b" targetNamespace="http://schemas.microsoft.com/office/2006/metadata/properties" ma:root="true" ma:fieldsID="7636c84aed5b7d09a166fcef888725d4" ns2:_="">
     <xsd:import namespace="5091c847-84be-4f4f-b16c-c018ad2ca66b"/>
@@ -9265,30 +9448,24 @@
 </ct:contentTypeSchema>
 </file>
 
-<file path=customXml/itemProps1.xml><?xml version="1.0" encoding="utf-8"?>
-<ds:datastoreItem xmlns:ds="http://schemas.openxmlformats.org/officeDocument/2006/customXml" ds:itemID="{32991507-CB83-4F49-BAFB-D322B1D04098}">
-  <ds:schemaRefs>
-    <ds:schemaRef ds:uri="http://purl.org/dc/terms/"/>
-    <ds:schemaRef ds:uri="http://schemas.openxmlformats.org/package/2006/metadata/core-properties"/>
-    <ds:schemaRef ds:uri="http://schemas.microsoft.com/office/2006/documentManagement/types"/>
-    <ds:schemaRef ds:uri="5091c847-84be-4f4f-b16c-c018ad2ca66b"/>
-    <ds:schemaRef ds:uri="http://purl.org/dc/elements/1.1/"/>
-    <ds:schemaRef ds:uri="http://schemas.microsoft.com/office/2006/metadata/properties"/>
-    <ds:schemaRef ds:uri="http://www.w3.org/XML/1998/namespace"/>
-    <ds:schemaRef ds:uri="http://purl.org/dc/dcmitype/"/>
-  </ds:schemaRefs>
-</ds:datastoreItem>
+<file path=customXml/item2.xml><?xml version="1.0" encoding="utf-8"?>
+<?mso-contentType ?>
+<FormTemplates xmlns="http://schemas.microsoft.com/sharepoint/v3/contenttype/forms">
+  <Display>DocumentLibraryForm</Display>
+  <Edit>DocumentLibraryForm</Edit>
+  <New>DocumentLibraryForm</New>
+</FormTemplates>
 </file>
 
-<file path=customXml/itemProps2.xml><?xml version="1.0" encoding="utf-8"?>
-<ds:datastoreItem xmlns:ds="http://schemas.openxmlformats.org/officeDocument/2006/customXml" ds:itemID="{1851D33F-E468-417B-A30C-509B68D2BD09}">
-  <ds:schemaRefs>
-    <ds:schemaRef ds:uri="http://schemas.microsoft.com/sharepoint/v3/contenttype/forms"/>
-  </ds:schemaRefs>
-</ds:datastoreItem>
+<file path=customXml/item3.xml><?xml version="1.0" encoding="utf-8"?>
+<p:properties xmlns:p="http://schemas.microsoft.com/office/2006/metadata/properties" xmlns:xsi="http://www.w3.org/2001/XMLSchema-instance">
+  <documentManagement>
+    <AVMTitle xmlns="5091c847-84be-4f4f-b16c-c018ad2ca66b">Präsentation BFH_2013</AVMTitle>
+  </documentManagement>
+</p:properties>
 </file>
 
-<file path=customXml/itemProps3.xml><?xml version="1.0" encoding="utf-8"?>
+<file path=customXml/itemProps1.xml><?xml version="1.0" encoding="utf-8"?>
 <ds:datastoreItem xmlns:ds="http://schemas.openxmlformats.org/officeDocument/2006/customXml" ds:itemID="{15287BEA-F3FF-4B87-929B-5D0092183197}">
   <ds:schemaRefs>
     <ds:schemaRef ds:uri="http://schemas.microsoft.com/office/2006/metadata/contentType"/>
@@ -9303,4 +9480,27 @@
     <ds:schemaRef ds:uri="http://schemas.microsoft.com/office/internal/2005/internalDocumentation"/>
   </ds:schemaRefs>
 </ds:datastoreItem>
+</file>
+
+<file path=customXml/itemProps2.xml><?xml version="1.0" encoding="utf-8"?>
+<ds:datastoreItem xmlns:ds="http://schemas.openxmlformats.org/officeDocument/2006/customXml" ds:itemID="{1851D33F-E468-417B-A30C-509B68D2BD09}">
+  <ds:schemaRefs>
+    <ds:schemaRef ds:uri="http://schemas.microsoft.com/sharepoint/v3/contenttype/forms"/>
+  </ds:schemaRefs>
+</ds:datastoreItem>
+</file>
+
+<file path=customXml/itemProps3.xml><?xml version="1.0" encoding="utf-8"?>
+<ds:datastoreItem xmlns:ds="http://schemas.openxmlformats.org/officeDocument/2006/customXml" ds:itemID="{32991507-CB83-4F49-BAFB-D322B1D04098}">
+  <ds:schemaRefs>
+    <ds:schemaRef ds:uri="http://purl.org/dc/terms/"/>
+    <ds:schemaRef ds:uri="http://schemas.openxmlformats.org/package/2006/metadata/core-properties"/>
+    <ds:schemaRef ds:uri="http://schemas.microsoft.com/office/2006/documentManagement/types"/>
+    <ds:schemaRef ds:uri="5091c847-84be-4f4f-b16c-c018ad2ca66b"/>
+    <ds:schemaRef ds:uri="http://purl.org/dc/elements/1.1/"/>
+    <ds:schemaRef ds:uri="http://schemas.microsoft.com/office/2006/metadata/properties"/>
+    <ds:schemaRef ds:uri="http://www.w3.org/XML/1998/namespace"/>
+    <ds:schemaRef ds:uri="http://purl.org/dc/dcmitype/"/>
+  </ds:schemaRefs>
+</ds:datastoreItem>
 </file>
--- a/doc/Task03/Task3.pptx
+++ b/doc/Task03/Task3.pptx
@@ -5,10 +5,10 @@
     <p:sldMasterId id="2147483669" r:id="rId4"/>
   </p:sldMasterIdLst>
   <p:notesMasterIdLst>
-    <p:notesMasterId r:id="rId14"/>
+    <p:notesMasterId r:id="rId15"/>
   </p:notesMasterIdLst>
   <p:handoutMasterIdLst>
-    <p:handoutMasterId r:id="rId15"/>
+    <p:handoutMasterId r:id="rId16"/>
   </p:handoutMasterIdLst>
   <p:sldIdLst>
     <p:sldId id="259" r:id="rId5"/>
@@ -17,9 +17,10 @@
     <p:sldId id="307" r:id="rId8"/>
     <p:sldId id="308" r:id="rId9"/>
     <p:sldId id="309" r:id="rId10"/>
-    <p:sldId id="310" r:id="rId11"/>
-    <p:sldId id="311" r:id="rId12"/>
-    <p:sldId id="305" r:id="rId13"/>
+    <p:sldId id="312" r:id="rId11"/>
+    <p:sldId id="310" r:id="rId12"/>
+    <p:sldId id="311" r:id="rId13"/>
+    <p:sldId id="305" r:id="rId14"/>
   </p:sldIdLst>
   <p:sldSz cx="9144000" cy="6858000" type="screen4x3"/>
   <p:notesSz cx="6669088" cy="9926638"/>
@@ -150,7 +151,7 @@
   </p:defaultTextStyle>
   <p:extLst>
     <p:ext uri="{EFAFB233-063F-42B5-8137-9DF3F51BA10A}">
-      <p15:sldGuideLst xmlns:p15="http://schemas.microsoft.com/office/powerpoint/2012/main">
+      <p15:sldGuideLst xmlns:p15="http://schemas.microsoft.com/office/powerpoint/2012/main" xmlns="">
         <p15:guide id="1" orient="horz" pos="2160">
           <p15:clr>
             <a:srgbClr val="A4A3A4"/>
@@ -164,7 +165,7 @@
       </p15:sldGuideLst>
     </p:ext>
     <p:ext uri="{2D200454-40CA-4A62-9FC3-DE9A4176ACB9}">
-      <p15:notesGuideLst xmlns:p15="http://schemas.microsoft.com/office/powerpoint/2012/main">
+      <p15:notesGuideLst xmlns:p15="http://schemas.microsoft.com/office/powerpoint/2012/main" xmlns="">
         <p15:guide id="1" orient="horz" pos="3127">
           <p15:clr>
             <a:srgbClr val="A4A3A4"/>
@@ -263,7 +264,7 @@
           <a:p>
             <a:fld id="{EFA0D184-D464-48E9-9CA0-A94E873F6C2C}" type="datetimeFigureOut">
               <a:rPr lang="de-CH" smtClean="0"/>
-              <a:t>13.10.2015</a:t>
+              <a:t>14.10.2015</a:t>
             </a:fld>
             <a:endParaRPr lang="de-CH"/>
           </a:p>
@@ -428,7 +429,7 @@
           <a:p>
             <a:fld id="{5AF2B663-2BA9-4D7E-8201-5DE4109E1EDD}" type="datetimeFigureOut">
               <a:rPr lang="de-CH" smtClean="0"/>
-              <a:t>13.10.2015</a:t>
+              <a:t>14.10.2015</a:t>
             </a:fld>
             <a:endParaRPr lang="de-CH"/>
           </a:p>
@@ -7200,6 +7201,66 @@
 </p:sld>
 </file>
 
+<file path=ppt/slides/slide10.xml><?xml version="1.0" encoding="utf-8"?>
+<p:sld xmlns:a="http://schemas.openxmlformats.org/drawingml/2006/main" xmlns:r="http://schemas.openxmlformats.org/officeDocument/2006/relationships" xmlns:p="http://schemas.openxmlformats.org/presentationml/2006/main">
+  <p:cSld>
+    <p:spTree>
+      <p:nvGrpSpPr>
+        <p:cNvPr id="1" name=""/>
+        <p:cNvGrpSpPr/>
+        <p:nvPr/>
+      </p:nvGrpSpPr>
+      <p:grpSpPr>
+        <a:xfrm>
+          <a:off x="0" y="0"/>
+          <a:ext cx="0" cy="0"/>
+          <a:chOff x="0" y="0"/>
+          <a:chExt cx="0" cy="0"/>
+        </a:xfrm>
+      </p:grpSpPr>
+      <p:sp>
+        <p:nvSpPr>
+          <p:cNvPr id="2" name="Titel 1"/>
+          <p:cNvSpPr>
+            <a:spLocks noGrp="1"/>
+          </p:cNvSpPr>
+          <p:nvPr>
+            <p:ph type="ctrTitle"/>
+          </p:nvPr>
+        </p:nvSpPr>
+        <p:spPr/>
+        <p:txBody>
+          <a:bodyPr/>
+          <a:lstStyle/>
+          <a:p>
+            <a:r>
+              <a:rPr lang="de-DE" dirty="0"/>
+              <a:t>Herzlichen Dank!</a:t>
+            </a:r>
+            <a:endParaRPr lang="de-CH" dirty="0"/>
+          </a:p>
+        </p:txBody>
+      </p:sp>
+    </p:spTree>
+    <p:extLst>
+      <p:ext uri="{BB962C8B-B14F-4D97-AF65-F5344CB8AC3E}">
+        <p14:creationId xmlns:p14="http://schemas.microsoft.com/office/powerpoint/2010/main" val="1252526614"/>
+      </p:ext>
+    </p:extLst>
+  </p:cSld>
+  <p:clrMapOvr>
+    <a:masterClrMapping/>
+  </p:clrMapOvr>
+  <p:timing>
+    <p:tnLst>
+      <p:par>
+        <p:cTn id="1" dur="indefinite" restart="never" nodeType="tmRoot"/>
+      </p:par>
+    </p:tnLst>
+  </p:timing>
+</p:sld>
+</file>
+
 <file path=ppt/slides/slide2.xml><?xml version="1.0" encoding="utf-8"?>
 <p:sld xmlns:a="http://schemas.openxmlformats.org/drawingml/2006/main" xmlns:r="http://schemas.openxmlformats.org/officeDocument/2006/relationships" xmlns:p="http://schemas.openxmlformats.org/presentationml/2006/main">
   <p:cSld>
@@ -8293,7 +8354,20 @@
           <a:bodyPr/>
           <a:lstStyle/>
           <a:p>
-            <a:endParaRPr lang="de-CH"/>
+            <a:r>
+              <a:rPr lang="de-CH" dirty="0"/>
+              <a:t>Terminablauf mit einem Patienten im Büro des </a:t>
+            </a:r>
+            <a:r>
+              <a:rPr lang="de-CH" dirty="0" smtClean="0"/>
+              <a:t>Sozialarbeiter</a:t>
+            </a:r>
+          </a:p>
+          <a:p>
+            <a:pPr marL="0" indent="0">
+              <a:buNone/>
+            </a:pPr>
+            <a:endParaRPr lang="de-CH" dirty="0"/>
           </a:p>
         </p:txBody>
       </p:sp>
@@ -8317,6 +8391,274 @@
               <a:t>Design</a:t>
             </a:r>
             <a:endParaRPr lang="de-CH" dirty="0"/>
+          </a:p>
+        </p:txBody>
+      </p:sp>
+      <p:pic>
+        <p:nvPicPr>
+          <p:cNvPr id="1029" name="Bild 16"/>
+          <p:cNvPicPr>
+            <a:picLocks noChangeAspect="1" noChangeArrowheads="1"/>
+          </p:cNvPicPr>
+          <p:nvPr/>
+        </p:nvPicPr>
+        <p:blipFill>
+          <a:blip r:embed="rId2">
+            <a:extLst>
+              <a:ext uri="{28A0092B-C50C-407E-A947-70E740481C1C}">
+                <a14:useLocalDpi xmlns:a14="http://schemas.microsoft.com/office/drawing/2010/main" val="0"/>
+              </a:ext>
+            </a:extLst>
+          </a:blip>
+          <a:srcRect/>
+          <a:stretch>
+            <a:fillRect/>
+          </a:stretch>
+        </p:blipFill>
+        <p:spPr bwMode="auto">
+          <a:xfrm rot="-5400000">
+            <a:off x="1429726" y="1917944"/>
+            <a:ext cx="1841500" cy="1758950"/>
+          </a:xfrm>
+          <a:prstGeom prst="rect">
+            <a:avLst/>
+          </a:prstGeom>
+          <a:noFill/>
+          <a:extLst>
+            <a:ext uri="{909E8E84-426E-40DD-AFC4-6F175D3DCCD1}">
+              <a14:hiddenFill xmlns:a14="http://schemas.microsoft.com/office/drawing/2010/main">
+                <a:solidFill>
+                  <a:srgbClr val="FFFFFF"/>
+                </a:solidFill>
+              </a14:hiddenFill>
+            </a:ext>
+          </a:extLst>
+        </p:spPr>
+      </p:pic>
+      <p:pic>
+        <p:nvPicPr>
+          <p:cNvPr id="1028" name="Bild 17"/>
+          <p:cNvPicPr>
+            <a:picLocks noChangeAspect="1" noChangeArrowheads="1"/>
+          </p:cNvPicPr>
+          <p:nvPr/>
+        </p:nvPicPr>
+        <p:blipFill>
+          <a:blip r:embed="rId3">
+            <a:extLst>
+              <a:ext uri="{28A0092B-C50C-407E-A947-70E740481C1C}">
+                <a14:useLocalDpi xmlns:a14="http://schemas.microsoft.com/office/drawing/2010/main" val="0"/>
+              </a:ext>
+            </a:extLst>
+          </a:blip>
+          <a:srcRect/>
+          <a:stretch>
+            <a:fillRect/>
+          </a:stretch>
+        </p:blipFill>
+        <p:spPr bwMode="auto">
+          <a:xfrm rot="-5400000">
+            <a:off x="3332284" y="2203694"/>
+            <a:ext cx="1835150" cy="1155700"/>
+          </a:xfrm>
+          <a:prstGeom prst="rect">
+            <a:avLst/>
+          </a:prstGeom>
+          <a:noFill/>
+          <a:extLst>
+            <a:ext uri="{909E8E84-426E-40DD-AFC4-6F175D3DCCD1}">
+              <a14:hiddenFill xmlns:a14="http://schemas.microsoft.com/office/drawing/2010/main">
+                <a:solidFill>
+                  <a:srgbClr val="FFFFFF"/>
+                </a:solidFill>
+              </a14:hiddenFill>
+            </a:ext>
+          </a:extLst>
+        </p:spPr>
+      </p:pic>
+      <p:pic>
+        <p:nvPicPr>
+          <p:cNvPr id="1027" name="Bild 18"/>
+          <p:cNvPicPr>
+            <a:picLocks noChangeAspect="1" noChangeArrowheads="1"/>
+          </p:cNvPicPr>
+          <p:nvPr/>
+        </p:nvPicPr>
+        <p:blipFill>
+          <a:blip r:embed="rId4">
+            <a:extLst>
+              <a:ext uri="{28A0092B-C50C-407E-A947-70E740481C1C}">
+                <a14:useLocalDpi xmlns:a14="http://schemas.microsoft.com/office/drawing/2010/main" val="0"/>
+              </a:ext>
+            </a:extLst>
+          </a:blip>
+          <a:srcRect/>
+          <a:stretch>
+            <a:fillRect/>
+          </a:stretch>
+        </p:blipFill>
+        <p:spPr bwMode="auto">
+          <a:xfrm rot="-5400000">
+            <a:off x="4970829" y="2235444"/>
+            <a:ext cx="1822450" cy="1079500"/>
+          </a:xfrm>
+          <a:prstGeom prst="rect">
+            <a:avLst/>
+          </a:prstGeom>
+          <a:noFill/>
+          <a:extLst>
+            <a:ext uri="{909E8E84-426E-40DD-AFC4-6F175D3DCCD1}">
+              <a14:hiddenFill xmlns:a14="http://schemas.microsoft.com/office/drawing/2010/main">
+                <a:solidFill>
+                  <a:srgbClr val="FFFFFF"/>
+                </a:solidFill>
+              </a14:hiddenFill>
+            </a:ext>
+          </a:extLst>
+        </p:spPr>
+      </p:pic>
+      <p:pic>
+        <p:nvPicPr>
+          <p:cNvPr id="1026" name="Bild 19"/>
+          <p:cNvPicPr>
+            <a:picLocks noChangeAspect="1" noChangeArrowheads="1"/>
+          </p:cNvPicPr>
+          <p:nvPr/>
+        </p:nvPicPr>
+        <p:blipFill>
+          <a:blip r:embed="rId5">
+            <a:extLst>
+              <a:ext uri="{28A0092B-C50C-407E-A947-70E740481C1C}">
+                <a14:useLocalDpi xmlns:a14="http://schemas.microsoft.com/office/drawing/2010/main" val="0"/>
+              </a:ext>
+            </a:extLst>
+          </a:blip>
+          <a:srcRect/>
+          <a:stretch>
+            <a:fillRect/>
+          </a:stretch>
+        </p:blipFill>
+        <p:spPr bwMode="auto">
+          <a:xfrm rot="-5400000">
+            <a:off x="1344001" y="4018084"/>
+            <a:ext cx="1682750" cy="1428750"/>
+          </a:xfrm>
+          <a:prstGeom prst="rect">
+            <a:avLst/>
+          </a:prstGeom>
+          <a:noFill/>
+          <a:extLst>
+            <a:ext uri="{909E8E84-426E-40DD-AFC4-6F175D3DCCD1}">
+              <a14:hiddenFill xmlns:a14="http://schemas.microsoft.com/office/drawing/2010/main">
+                <a:solidFill>
+                  <a:srgbClr val="FFFFFF"/>
+                </a:solidFill>
+              </a14:hiddenFill>
+            </a:ext>
+          </a:extLst>
+        </p:spPr>
+      </p:pic>
+      <p:pic>
+        <p:nvPicPr>
+          <p:cNvPr id="1025" name="Bild 20"/>
+          <p:cNvPicPr>
+            <a:picLocks noChangeAspect="1" noChangeArrowheads="1"/>
+          </p:cNvPicPr>
+          <p:nvPr/>
+        </p:nvPicPr>
+        <p:blipFill>
+          <a:blip r:embed="rId6">
+            <a:extLst>
+              <a:ext uri="{28A0092B-C50C-407E-A947-70E740481C1C}">
+                <a14:useLocalDpi xmlns:a14="http://schemas.microsoft.com/office/drawing/2010/main" val="0"/>
+              </a:ext>
+            </a:extLst>
+          </a:blip>
+          <a:srcRect/>
+          <a:stretch>
+            <a:fillRect/>
+          </a:stretch>
+        </p:blipFill>
+        <p:spPr bwMode="auto">
+          <a:xfrm rot="-5400000">
+            <a:off x="3402133" y="4030784"/>
+            <a:ext cx="1695450" cy="1403350"/>
+          </a:xfrm>
+          <a:prstGeom prst="rect">
+            <a:avLst/>
+          </a:prstGeom>
+          <a:noFill/>
+          <a:extLst>
+            <a:ext uri="{909E8E84-426E-40DD-AFC4-6F175D3DCCD1}">
+              <a14:hiddenFill xmlns:a14="http://schemas.microsoft.com/office/drawing/2010/main">
+                <a:solidFill>
+                  <a:srgbClr val="FFFFFF"/>
+                </a:solidFill>
+              </a14:hiddenFill>
+            </a:ext>
+          </a:extLst>
+        </p:spPr>
+      </p:pic>
+      <p:sp>
+        <p:nvSpPr>
+          <p:cNvPr id="4" name="Rectangle 6"/>
+          <p:cNvSpPr>
+            <a:spLocks noChangeArrowheads="1"/>
+          </p:cNvSpPr>
+          <p:nvPr/>
+        </p:nvSpPr>
+        <p:spPr bwMode="auto">
+          <a:xfrm>
+            <a:off x="0" y="0"/>
+            <a:ext cx="9144000" cy="457200"/>
+          </a:xfrm>
+          <a:prstGeom prst="rect">
+            <a:avLst/>
+          </a:prstGeom>
+          <a:noFill/>
+          <a:ln>
+            <a:noFill/>
+          </a:ln>
+          <a:effectLst/>
+          <a:extLst>
+            <a:ext uri="{909E8E84-426E-40DD-AFC4-6F175D3DCCD1}">
+              <a14:hiddenFill xmlns:a14="http://schemas.microsoft.com/office/drawing/2010/main">
+                <a:solidFill>
+                  <a:schemeClr val="accent1"/>
+                </a:solidFill>
+              </a14:hiddenFill>
+            </a:ext>
+            <a:ext uri="{91240B29-F687-4F45-9708-019B960494DF}">
+              <a14:hiddenLine xmlns:a14="http://schemas.microsoft.com/office/drawing/2010/main" w="9525">
+                <a:solidFill>
+                  <a:schemeClr val="tx1"/>
+                </a:solidFill>
+                <a:miter lim="800000"/>
+                <a:headEnd/>
+                <a:tailEnd/>
+              </a14:hiddenLine>
+            </a:ext>
+            <a:ext uri="{AF507438-7753-43E0-B8FC-AC1667EBCBE1}">
+              <a14:hiddenEffects xmlns:a14="http://schemas.microsoft.com/office/drawing/2010/main">
+                <a:effectLst>
+                  <a:outerShdw dist="35921" dir="2700000" algn="ctr" rotWithShape="0">
+                    <a:schemeClr val="bg2"/>
+                  </a:outerShdw>
+                </a:effectLst>
+              </a14:hiddenEffects>
+            </a:ext>
+          </a:extLst>
+        </p:spPr>
+        <p:txBody>
+          <a:bodyPr vert="horz" wrap="none" lIns="91440" tIns="45720" rIns="91440" bIns="45720" numCol="1" anchor="ctr" anchorCtr="0" compatLnSpc="1">
+            <a:prstTxWarp prst="textNoShape">
+              <a:avLst/>
+            </a:prstTxWarp>
+            <a:spAutoFit/>
+          </a:bodyPr>
+          <a:lstStyle/>
+          <a:p>
+            <a:endParaRPr lang="de-CH"/>
           </a:p>
         </p:txBody>
       </p:sp>
@@ -8372,7 +8714,11 @@
           <a:bodyPr/>
           <a:lstStyle/>
           <a:p>
-            <a:endParaRPr lang="de-CH"/>
+            <a:r>
+              <a:rPr lang="de-CH" dirty="0" smtClean="0"/>
+              <a:t>Termin mit einem Patienten vereinbaren</a:t>
+            </a:r>
+            <a:endParaRPr lang="de-CH" dirty="0"/>
           </a:p>
         </p:txBody>
       </p:sp>
@@ -8393,29 +8739,338 @@
           <a:p>
             <a:r>
               <a:rPr lang="de-CH" dirty="0" smtClean="0"/>
-              <a:t>Prototype</a:t>
+              <a:t>Design</a:t>
             </a:r>
             <a:endParaRPr lang="de-CH" dirty="0"/>
+          </a:p>
+        </p:txBody>
+      </p:sp>
+      <p:pic>
+        <p:nvPicPr>
+          <p:cNvPr id="2052" name="Picture 4"/>
+          <p:cNvPicPr>
+            <a:picLocks noChangeAspect="1" noChangeArrowheads="1"/>
+          </p:cNvPicPr>
+          <p:nvPr/>
+        </p:nvPicPr>
+        <p:blipFill>
+          <a:blip r:embed="rId2">
+            <a:extLst>
+              <a:ext uri="{28A0092B-C50C-407E-A947-70E740481C1C}">
+                <a14:useLocalDpi xmlns:a14="http://schemas.microsoft.com/office/drawing/2010/main" val="0"/>
+              </a:ext>
+            </a:extLst>
+          </a:blip>
+          <a:srcRect l="39520" t="56464" r="32584" b="4311"/>
+          <a:stretch>
+            <a:fillRect/>
+          </a:stretch>
+        </p:blipFill>
+        <p:spPr bwMode="auto">
+          <a:xfrm rot="10800000">
+            <a:off x="413238" y="2487246"/>
+            <a:ext cx="1606550" cy="1568450"/>
+          </a:xfrm>
+          <a:prstGeom prst="rect">
+            <a:avLst/>
+          </a:prstGeom>
+          <a:noFill/>
+          <a:extLst>
+            <a:ext uri="{909E8E84-426E-40DD-AFC4-6F175D3DCCD1}">
+              <a14:hiddenFill xmlns:a14="http://schemas.microsoft.com/office/drawing/2010/main">
+                <a:solidFill>
+                  <a:srgbClr val="FFFFFF"/>
+                </a:solidFill>
+              </a14:hiddenFill>
+            </a:ext>
+          </a:extLst>
+        </p:spPr>
+      </p:pic>
+      <p:pic>
+        <p:nvPicPr>
+          <p:cNvPr id="2051" name="Picture 3"/>
+          <p:cNvPicPr>
+            <a:picLocks noChangeAspect="1" noChangeArrowheads="1"/>
+          </p:cNvPicPr>
+          <p:nvPr/>
+        </p:nvPicPr>
+        <p:blipFill>
+          <a:blip r:embed="rId2">
+            <a:extLst>
+              <a:ext uri="{28A0092B-C50C-407E-A947-70E740481C1C}">
+                <a14:useLocalDpi xmlns:a14="http://schemas.microsoft.com/office/drawing/2010/main" val="0"/>
+              </a:ext>
+            </a:extLst>
+          </a:blip>
+          <a:srcRect l="67863" t="4256" r="4018" b="56396"/>
+          <a:stretch>
+            <a:fillRect/>
+          </a:stretch>
+        </p:blipFill>
+        <p:spPr bwMode="auto">
+          <a:xfrm rot="10800000">
+            <a:off x="2505808" y="2487247"/>
+            <a:ext cx="1631950" cy="1587500"/>
+          </a:xfrm>
+          <a:prstGeom prst="rect">
+            <a:avLst/>
+          </a:prstGeom>
+          <a:noFill/>
+          <a:extLst>
+            <a:ext uri="{909E8E84-426E-40DD-AFC4-6F175D3DCCD1}">
+              <a14:hiddenFill xmlns:a14="http://schemas.microsoft.com/office/drawing/2010/main">
+                <a:solidFill>
+                  <a:srgbClr val="FFFFFF"/>
+                </a:solidFill>
+              </a14:hiddenFill>
+            </a:ext>
+          </a:extLst>
+        </p:spPr>
+      </p:pic>
+      <p:pic>
+        <p:nvPicPr>
+          <p:cNvPr id="2050" name="Picture 2"/>
+          <p:cNvPicPr>
+            <a:picLocks noChangeAspect="1" noChangeArrowheads="1"/>
+          </p:cNvPicPr>
+          <p:nvPr/>
+        </p:nvPicPr>
+        <p:blipFill>
+          <a:blip r:embed="rId2">
+            <a:extLst>
+              <a:ext uri="{28A0092B-C50C-407E-A947-70E740481C1C}">
+                <a14:useLocalDpi xmlns:a14="http://schemas.microsoft.com/office/drawing/2010/main" val="0"/>
+              </a:ext>
+            </a:extLst>
+          </a:blip>
+          <a:srcRect l="36130" t="4028" r="36328" b="57039"/>
+          <a:stretch>
+            <a:fillRect/>
+          </a:stretch>
+        </p:blipFill>
+        <p:spPr bwMode="auto">
+          <a:xfrm rot="10800000">
+            <a:off x="4668715" y="2518996"/>
+            <a:ext cx="1581150" cy="1555750"/>
+          </a:xfrm>
+          <a:prstGeom prst="rect">
+            <a:avLst/>
+          </a:prstGeom>
+          <a:noFill/>
+          <a:extLst>
+            <a:ext uri="{909E8E84-426E-40DD-AFC4-6F175D3DCCD1}">
+              <a14:hiddenFill xmlns:a14="http://schemas.microsoft.com/office/drawing/2010/main">
+                <a:solidFill>
+                  <a:srgbClr val="FFFFFF"/>
+                </a:solidFill>
+              </a14:hiddenFill>
+            </a:ext>
+          </a:extLst>
+        </p:spPr>
+      </p:pic>
+      <p:pic>
+        <p:nvPicPr>
+          <p:cNvPr id="2049" name="Bild 1"/>
+          <p:cNvPicPr>
+            <a:picLocks noChangeAspect="1" noChangeArrowheads="1"/>
+          </p:cNvPicPr>
+          <p:nvPr/>
+        </p:nvPicPr>
+        <p:blipFill>
+          <a:blip r:embed="rId2">
+            <a:extLst>
+              <a:ext uri="{28A0092B-C50C-407E-A947-70E740481C1C}">
+                <a14:useLocalDpi xmlns:a14="http://schemas.microsoft.com/office/drawing/2010/main" val="0"/>
+              </a:ext>
+            </a:extLst>
+          </a:blip>
+          <a:srcRect l="4034" t="4477" r="68993" b="55969"/>
+          <a:stretch>
+            <a:fillRect/>
+          </a:stretch>
+        </p:blipFill>
+        <p:spPr bwMode="auto">
+          <a:xfrm rot="10800000">
+            <a:off x="6585438" y="2487246"/>
+            <a:ext cx="1536700" cy="1587500"/>
+          </a:xfrm>
+          <a:prstGeom prst="rect">
+            <a:avLst/>
+          </a:prstGeom>
+          <a:noFill/>
+          <a:extLst>
+            <a:ext uri="{909E8E84-426E-40DD-AFC4-6F175D3DCCD1}">
+              <a14:hiddenFill xmlns:a14="http://schemas.microsoft.com/office/drawing/2010/main">
+                <a:solidFill>
+                  <a:srgbClr val="FFFFFF"/>
+                </a:solidFill>
+              </a14:hiddenFill>
+            </a:ext>
+          </a:extLst>
+        </p:spPr>
+      </p:pic>
+      <p:sp>
+        <p:nvSpPr>
+          <p:cNvPr id="4" name="Rectangle 5"/>
+          <p:cNvSpPr>
+            <a:spLocks noChangeArrowheads="1"/>
+          </p:cNvSpPr>
+          <p:nvPr/>
+        </p:nvSpPr>
+        <p:spPr bwMode="auto">
+          <a:xfrm>
+            <a:off x="0" y="0"/>
+            <a:ext cx="9144000" cy="457200"/>
+          </a:xfrm>
+          <a:prstGeom prst="rect">
+            <a:avLst/>
+          </a:prstGeom>
+          <a:noFill/>
+          <a:ln>
+            <a:noFill/>
+          </a:ln>
+          <a:effectLst/>
+          <a:extLst>
+            <a:ext uri="{909E8E84-426E-40DD-AFC4-6F175D3DCCD1}">
+              <a14:hiddenFill xmlns:a14="http://schemas.microsoft.com/office/drawing/2010/main">
+                <a:solidFill>
+                  <a:schemeClr val="accent1"/>
+                </a:solidFill>
+              </a14:hiddenFill>
+            </a:ext>
+            <a:ext uri="{91240B29-F687-4F45-9708-019B960494DF}">
+              <a14:hiddenLine xmlns:a14="http://schemas.microsoft.com/office/drawing/2010/main" w="9525">
+                <a:solidFill>
+                  <a:schemeClr val="tx1"/>
+                </a:solidFill>
+                <a:miter lim="800000"/>
+                <a:headEnd/>
+                <a:tailEnd/>
+              </a14:hiddenLine>
+            </a:ext>
+            <a:ext uri="{AF507438-7753-43E0-B8FC-AC1667EBCBE1}">
+              <a14:hiddenEffects xmlns:a14="http://schemas.microsoft.com/office/drawing/2010/main">
+                <a:effectLst>
+                  <a:outerShdw dist="35921" dir="2700000" algn="ctr" rotWithShape="0">
+                    <a:schemeClr val="bg2"/>
+                  </a:outerShdw>
+                </a:effectLst>
+              </a14:hiddenEffects>
+            </a:ext>
+          </a:extLst>
+        </p:spPr>
+        <p:txBody>
+          <a:bodyPr vert="horz" wrap="none" lIns="91440" tIns="45720" rIns="91440" bIns="45720" numCol="1" anchor="ctr" anchorCtr="0" compatLnSpc="1">
+            <a:prstTxWarp prst="textNoShape">
+              <a:avLst/>
+            </a:prstTxWarp>
+            <a:spAutoFit/>
+          </a:bodyPr>
+          <a:lstStyle/>
+          <a:p>
+            <a:endParaRPr lang="de-CH"/>
+          </a:p>
+        </p:txBody>
+      </p:sp>
+      <p:sp>
+        <p:nvSpPr>
+          <p:cNvPr id="5" name="Rectangle 6"/>
+          <p:cNvSpPr>
+            <a:spLocks noChangeArrowheads="1"/>
+          </p:cNvSpPr>
+          <p:nvPr/>
+        </p:nvSpPr>
+        <p:spPr bwMode="auto">
+          <a:xfrm>
+            <a:off x="0" y="6756400"/>
+            <a:ext cx="9144000" cy="457200"/>
+          </a:xfrm>
+          <a:prstGeom prst="rect">
+            <a:avLst/>
+          </a:prstGeom>
+          <a:noFill/>
+          <a:ln>
+            <a:noFill/>
+          </a:ln>
+          <a:effectLst/>
+          <a:extLst>
+            <a:ext uri="{909E8E84-426E-40DD-AFC4-6F175D3DCCD1}">
+              <a14:hiddenFill xmlns:a14="http://schemas.microsoft.com/office/drawing/2010/main">
+                <a:solidFill>
+                  <a:schemeClr val="accent1"/>
+                </a:solidFill>
+              </a14:hiddenFill>
+            </a:ext>
+            <a:ext uri="{91240B29-F687-4F45-9708-019B960494DF}">
+              <a14:hiddenLine xmlns:a14="http://schemas.microsoft.com/office/drawing/2010/main" w="9525">
+                <a:solidFill>
+                  <a:schemeClr val="tx1"/>
+                </a:solidFill>
+                <a:miter lim="800000"/>
+                <a:headEnd/>
+                <a:tailEnd/>
+              </a14:hiddenLine>
+            </a:ext>
+            <a:ext uri="{AF507438-7753-43E0-B8FC-AC1667EBCBE1}">
+              <a14:hiddenEffects xmlns:a14="http://schemas.microsoft.com/office/drawing/2010/main">
+                <a:effectLst>
+                  <a:outerShdw dist="35921" dir="2700000" algn="ctr" rotWithShape="0">
+                    <a:schemeClr val="bg2"/>
+                  </a:outerShdw>
+                </a:effectLst>
+              </a14:hiddenEffects>
+            </a:ext>
+          </a:extLst>
+        </p:spPr>
+        <p:txBody>
+          <a:bodyPr vert="horz" wrap="none" lIns="91440" tIns="45720" rIns="91440" bIns="45720" numCol="1" anchor="ctr" anchorCtr="0" compatLnSpc="1">
+            <a:prstTxWarp prst="textNoShape">
+              <a:avLst/>
+            </a:prstTxWarp>
+            <a:spAutoFit/>
+          </a:bodyPr>
+          <a:lstStyle/>
+          <a:p>
+            <a:pPr marL="0" marR="0" lvl="0" indent="0" algn="l" defTabSz="914400" rtl="0" eaLnBrk="1" fontAlgn="base" latinLnBrk="0" hangingPunct="1">
+              <a:lnSpc>
+                <a:spcPct val="100000"/>
+              </a:lnSpc>
+              <a:spcBef>
+                <a:spcPct val="0"/>
+              </a:spcBef>
+              <a:spcAft>
+                <a:spcPct val="0"/>
+              </a:spcAft>
+              <a:buClrTx/>
+              <a:buSzTx/>
+              <a:buFontTx/>
+              <a:buNone/>
+              <a:tabLst/>
+            </a:pPr>
+            <a:endParaRPr kumimoji="0" lang="en-US" altLang="en-US" sz="1800" b="0" i="0" u="none" strike="noStrike" cap="none" normalizeH="0" baseline="0" smtClean="0">
+              <a:ln>
+                <a:noFill/>
+              </a:ln>
+              <a:solidFill>
+                <a:schemeClr val="tx1"/>
+              </a:solidFill>
+              <a:effectLst/>
+              <a:latin typeface="Arial" pitchFamily="34" charset="0"/>
+              <a:cs typeface="Arial" pitchFamily="34" charset="0"/>
+            </a:endParaRPr>
           </a:p>
         </p:txBody>
       </p:sp>
     </p:spTree>
     <p:extLst>
       <p:ext uri="{BB962C8B-B14F-4D97-AF65-F5344CB8AC3E}">
-        <p14:creationId xmlns:p14="http://schemas.microsoft.com/office/powerpoint/2010/main" val="1251349615"/>
+        <p14:creationId xmlns:p14="http://schemas.microsoft.com/office/powerpoint/2010/main" val="2669747725"/>
       </p:ext>
     </p:extLst>
   </p:cSld>
   <p:clrMapOvr>
     <a:masterClrMapping/>
   </p:clrMapOvr>
-  <p:timing>
-    <p:tnLst>
-      <p:par>
-        <p:cTn id="1" dur="indefinite" restart="never" nodeType="tmRoot"/>
-      </p:par>
-    </p:tnLst>
-  </p:timing>
 </p:sld>
 </file>
 
@@ -8471,8 +9126,8 @@
           <a:lstStyle/>
           <a:p>
             <a:r>
-              <a:rPr lang="de-CH" dirty="0" err="1" smtClean="0"/>
-              <a:t>Valitation</a:t>
+              <a:rPr lang="de-CH" dirty="0" smtClean="0"/>
+              <a:t>Prototype</a:t>
             </a:r>
             <a:endParaRPr lang="de-CH" dirty="0"/>
           </a:p>
@@ -8481,7 +9136,7 @@
     </p:spTree>
     <p:extLst>
       <p:ext uri="{BB962C8B-B14F-4D97-AF65-F5344CB8AC3E}">
-        <p14:creationId xmlns:p14="http://schemas.microsoft.com/office/powerpoint/2010/main" val="605634403"/>
+        <p14:creationId xmlns:p14="http://schemas.microsoft.com/office/powerpoint/2010/main" val="1251349615"/>
       </p:ext>
     </p:extLst>
   </p:cSld>
@@ -8517,7 +9172,26 @@
       </p:grpSpPr>
       <p:sp>
         <p:nvSpPr>
-          <p:cNvPr id="2" name="Titel 1"/>
+          <p:cNvPr id="2" name="Inhaltsplatzhalter 1"/>
+          <p:cNvSpPr>
+            <a:spLocks noGrp="1"/>
+          </p:cNvSpPr>
+          <p:nvPr>
+            <p:ph sz="half" idx="1"/>
+          </p:nvPr>
+        </p:nvSpPr>
+        <p:spPr/>
+        <p:txBody>
+          <a:bodyPr/>
+          <a:lstStyle/>
+          <a:p>
+            <a:endParaRPr lang="de-CH"/>
+          </a:p>
+        </p:txBody>
+      </p:sp>
+      <p:sp>
+        <p:nvSpPr>
+          <p:cNvPr id="3" name="Titel 2"/>
           <p:cNvSpPr>
             <a:spLocks noGrp="1"/>
           </p:cNvSpPr>
@@ -8531,8 +9205,8 @@
           <a:lstStyle/>
           <a:p>
             <a:r>
-              <a:rPr lang="de-DE" dirty="0"/>
-              <a:t>Herzlichen Dank!</a:t>
+              <a:rPr lang="de-CH" dirty="0" err="1" smtClean="0"/>
+              <a:t>Valitation</a:t>
             </a:r>
             <a:endParaRPr lang="de-CH" dirty="0"/>
           </a:p>
@@ -8541,7 +9215,7 @@
     </p:spTree>
     <p:extLst>
       <p:ext uri="{BB962C8B-B14F-4D97-AF65-F5344CB8AC3E}">
-        <p14:creationId xmlns:p14="http://schemas.microsoft.com/office/powerpoint/2010/main" val="1252526614"/>
+        <p14:creationId xmlns:p14="http://schemas.microsoft.com/office/powerpoint/2010/main" val="605634403"/>
       </p:ext>
     </p:extLst>
   </p:cSld>
@@ -9389,6 +10063,23 @@
 </file>
 
 <file path=customXml/item1.xml><?xml version="1.0" encoding="utf-8"?>
+<p:properties xmlns:p="http://schemas.microsoft.com/office/2006/metadata/properties" xmlns:xsi="http://www.w3.org/2001/XMLSchema-instance">
+  <documentManagement>
+    <AVMTitle xmlns="5091c847-84be-4f4f-b16c-c018ad2ca66b">Präsentation BFH_2013</AVMTitle>
+  </documentManagement>
+</p:properties>
+</file>
+
+<file path=customXml/item2.xml><?xml version="1.0" encoding="utf-8"?>
+<?mso-contentType ?>
+<FormTemplates xmlns="http://schemas.microsoft.com/sharepoint/v3/contenttype/forms">
+  <Display>DocumentLibraryForm</Display>
+  <Edit>DocumentLibraryForm</Edit>
+  <New>DocumentLibraryForm</New>
+</FormTemplates>
+</file>
+
+<file path=customXml/item3.xml><?xml version="1.0" encoding="utf-8"?>
 <ct:contentTypeSchema xmlns:ct="http://schemas.microsoft.com/office/2006/metadata/contentType" xmlns:ma="http://schemas.microsoft.com/office/2006/metadata/properties/metaAttributes" ct:_="" ma:_="" ma:contentTypeName="Dokument" ma:contentTypeID="0x010100EBE3A9EFF36793468C03E2811ACE2A2B" ma:contentTypeVersion="1" ma:contentTypeDescription="Ein neues Dokument erstellen." ma:contentTypeScope="" ma:versionID="e65be32cb1bfff77fc8c9c09bf542651">
   <xsd:schema xmlns:xsd="http://www.w3.org/2001/XMLSchema" xmlns:p="http://schemas.microsoft.com/office/2006/metadata/properties" xmlns:ns2="5091c847-84be-4f4f-b16c-c018ad2ca66b" targetNamespace="http://schemas.microsoft.com/office/2006/metadata/properties" ma:root="true" ma:fieldsID="7636c84aed5b7d09a166fcef888725d4" ns2:_="">
     <xsd:import namespace="5091c847-84be-4f4f-b16c-c018ad2ca66b"/>
@@ -9448,24 +10139,30 @@
 </ct:contentTypeSchema>
 </file>
 
-<file path=customXml/item2.xml><?xml version="1.0" encoding="utf-8"?>
-<?mso-contentType ?>
-<FormTemplates xmlns="http://schemas.microsoft.com/sharepoint/v3/contenttype/forms">
-  <Display>DocumentLibraryForm</Display>
-  <Edit>DocumentLibraryForm</Edit>
-  <New>DocumentLibraryForm</New>
-</FormTemplates>
+<file path=customXml/itemProps1.xml><?xml version="1.0" encoding="utf-8"?>
+<ds:datastoreItem xmlns:ds="http://schemas.openxmlformats.org/officeDocument/2006/customXml" ds:itemID="{32991507-CB83-4F49-BAFB-D322B1D04098}">
+  <ds:schemaRefs>
+    <ds:schemaRef ds:uri="http://purl.org/dc/terms/"/>
+    <ds:schemaRef ds:uri="http://schemas.openxmlformats.org/package/2006/metadata/core-properties"/>
+    <ds:schemaRef ds:uri="http://schemas.microsoft.com/office/2006/documentManagement/types"/>
+    <ds:schemaRef ds:uri="5091c847-84be-4f4f-b16c-c018ad2ca66b"/>
+    <ds:schemaRef ds:uri="http://purl.org/dc/elements/1.1/"/>
+    <ds:schemaRef ds:uri="http://schemas.microsoft.com/office/2006/metadata/properties"/>
+    <ds:schemaRef ds:uri="http://www.w3.org/XML/1998/namespace"/>
+    <ds:schemaRef ds:uri="http://purl.org/dc/dcmitype/"/>
+  </ds:schemaRefs>
+</ds:datastoreItem>
 </file>
 
-<file path=customXml/item3.xml><?xml version="1.0" encoding="utf-8"?>
-<p:properties xmlns:p="http://schemas.microsoft.com/office/2006/metadata/properties" xmlns:xsi="http://www.w3.org/2001/XMLSchema-instance">
-  <documentManagement>
-    <AVMTitle xmlns="5091c847-84be-4f4f-b16c-c018ad2ca66b">Präsentation BFH_2013</AVMTitle>
-  </documentManagement>
-</p:properties>
+<file path=customXml/itemProps2.xml><?xml version="1.0" encoding="utf-8"?>
+<ds:datastoreItem xmlns:ds="http://schemas.openxmlformats.org/officeDocument/2006/customXml" ds:itemID="{1851D33F-E468-417B-A30C-509B68D2BD09}">
+  <ds:schemaRefs>
+    <ds:schemaRef ds:uri="http://schemas.microsoft.com/sharepoint/v3/contenttype/forms"/>
+  </ds:schemaRefs>
+</ds:datastoreItem>
 </file>
 
-<file path=customXml/itemProps1.xml><?xml version="1.0" encoding="utf-8"?>
+<file path=customXml/itemProps3.xml><?xml version="1.0" encoding="utf-8"?>
 <ds:datastoreItem xmlns:ds="http://schemas.openxmlformats.org/officeDocument/2006/customXml" ds:itemID="{15287BEA-F3FF-4B87-929B-5D0092183197}">
   <ds:schemaRefs>
     <ds:schemaRef ds:uri="http://schemas.microsoft.com/office/2006/metadata/contentType"/>
@@ -9480,27 +10177,4 @@
     <ds:schemaRef ds:uri="http://schemas.microsoft.com/office/internal/2005/internalDocumentation"/>
   </ds:schemaRefs>
 </ds:datastoreItem>
-</file>
-
-<file path=customXml/itemProps2.xml><?xml version="1.0" encoding="utf-8"?>
-<ds:datastoreItem xmlns:ds="http://schemas.openxmlformats.org/officeDocument/2006/customXml" ds:itemID="{1851D33F-E468-417B-A30C-509B68D2BD09}">
-  <ds:schemaRefs>
-    <ds:schemaRef ds:uri="http://schemas.microsoft.com/sharepoint/v3/contenttype/forms"/>
-  </ds:schemaRefs>
-</ds:datastoreItem>
-</file>
-
-<file path=customXml/itemProps3.xml><?xml version="1.0" encoding="utf-8"?>
-<ds:datastoreItem xmlns:ds="http://schemas.openxmlformats.org/officeDocument/2006/customXml" ds:itemID="{32991507-CB83-4F49-BAFB-D322B1D04098}">
-  <ds:schemaRefs>
-    <ds:schemaRef ds:uri="http://purl.org/dc/terms/"/>
-    <ds:schemaRef ds:uri="http://schemas.openxmlformats.org/package/2006/metadata/core-properties"/>
-    <ds:schemaRef ds:uri="http://schemas.microsoft.com/office/2006/documentManagement/types"/>
-    <ds:schemaRef ds:uri="5091c847-84be-4f4f-b16c-c018ad2ca66b"/>
-    <ds:schemaRef ds:uri="http://purl.org/dc/elements/1.1/"/>
-    <ds:schemaRef ds:uri="http://schemas.microsoft.com/office/2006/metadata/properties"/>
-    <ds:schemaRef ds:uri="http://www.w3.org/XML/1998/namespace"/>
-    <ds:schemaRef ds:uri="http://purl.org/dc/dcmitype/"/>
-  </ds:schemaRefs>
-</ds:datastoreItem>
 </file>
--- a/doc/Task03/Task3.pptx
+++ b/doc/Task03/Task3.pptx
@@ -151,7 +151,7 @@
   </p:defaultTextStyle>
   <p:extLst>
     <p:ext uri="{EFAFB233-063F-42B5-8137-9DF3F51BA10A}">
-      <p15:sldGuideLst xmlns:p15="http://schemas.microsoft.com/office/powerpoint/2012/main" xmlns="">
+      <p15:sldGuideLst xmlns:p15="http://schemas.microsoft.com/office/powerpoint/2012/main">
         <p15:guide id="1" orient="horz" pos="2160">
           <p15:clr>
             <a:srgbClr val="A4A3A4"/>
@@ -165,7 +165,7 @@
       </p15:sldGuideLst>
     </p:ext>
     <p:ext uri="{2D200454-40CA-4A62-9FC3-DE9A4176ACB9}">
-      <p15:notesGuideLst xmlns:p15="http://schemas.microsoft.com/office/powerpoint/2012/main" xmlns="">
+      <p15:notesGuideLst xmlns:p15="http://schemas.microsoft.com/office/powerpoint/2012/main">
         <p15:guide id="1" orient="horz" pos="3127">
           <p15:clr>
             <a:srgbClr val="A4A3A4"/>
@@ -8121,6 +8121,30 @@
           </a:p>
         </p:txBody>
       </p:sp>
+      <p:pic>
+        <p:nvPicPr>
+          <p:cNvPr id="4" name="Grafik 3"/>
+          <p:cNvPicPr>
+            <a:picLocks noChangeAspect="1"/>
+          </p:cNvPicPr>
+          <p:nvPr/>
+        </p:nvPicPr>
+        <p:blipFill>
+          <a:blip r:embed="rId2"/>
+          <a:stretch>
+            <a:fillRect/>
+          </a:stretch>
+        </p:blipFill>
+        <p:spPr>
+          <a:xfrm>
+            <a:off x="5291538" y="4875399"/>
+            <a:ext cx="3133725" cy="657225"/>
+          </a:xfrm>
+          <a:prstGeom prst="rect">
+            <a:avLst/>
+          </a:prstGeom>
+        </p:spPr>
+      </p:pic>
     </p:spTree>
     <p:extLst>
       <p:ext uri="{BB962C8B-B14F-4D97-AF65-F5344CB8AC3E}">
@@ -10063,20 +10087,20 @@
 </file>
 
 <file path=customXml/item1.xml><?xml version="1.0" encoding="utf-8"?>
-<p:properties xmlns:p="http://schemas.microsoft.com/office/2006/metadata/properties" xmlns:xsi="http://www.w3.org/2001/XMLSchema-instance">
-  <documentManagement>
-    <AVMTitle xmlns="5091c847-84be-4f4f-b16c-c018ad2ca66b">Präsentation BFH_2013</AVMTitle>
-  </documentManagement>
-</p:properties>
-</file>
-
-<file path=customXml/item2.xml><?xml version="1.0" encoding="utf-8"?>
 <?mso-contentType ?>
 <FormTemplates xmlns="http://schemas.microsoft.com/sharepoint/v3/contenttype/forms">
   <Display>DocumentLibraryForm</Display>
   <Edit>DocumentLibraryForm</Edit>
   <New>DocumentLibraryForm</New>
 </FormTemplates>
+</file>
+
+<file path=customXml/item2.xml><?xml version="1.0" encoding="utf-8"?>
+<p:properties xmlns:p="http://schemas.microsoft.com/office/2006/metadata/properties" xmlns:xsi="http://www.w3.org/2001/XMLSchema-instance">
+  <documentManagement>
+    <AVMTitle xmlns="5091c847-84be-4f4f-b16c-c018ad2ca66b">Präsentation BFH_2013</AVMTitle>
+  </documentManagement>
+</p:properties>
 </file>
 
 <file path=customXml/item3.xml><?xml version="1.0" encoding="utf-8"?>
@@ -10140,6 +10164,14 @@
 </file>
 
 <file path=customXml/itemProps1.xml><?xml version="1.0" encoding="utf-8"?>
+<ds:datastoreItem xmlns:ds="http://schemas.openxmlformats.org/officeDocument/2006/customXml" ds:itemID="{1851D33F-E468-417B-A30C-509B68D2BD09}">
+  <ds:schemaRefs>
+    <ds:schemaRef ds:uri="http://schemas.microsoft.com/sharepoint/v3/contenttype/forms"/>
+  </ds:schemaRefs>
+</ds:datastoreItem>
+</file>
+
+<file path=customXml/itemProps2.xml><?xml version="1.0" encoding="utf-8"?>
 <ds:datastoreItem xmlns:ds="http://schemas.openxmlformats.org/officeDocument/2006/customXml" ds:itemID="{32991507-CB83-4F49-BAFB-D322B1D04098}">
   <ds:schemaRefs>
     <ds:schemaRef ds:uri="http://purl.org/dc/terms/"/>
@@ -10150,14 +10182,6 @@
     <ds:schemaRef ds:uri="http://schemas.microsoft.com/office/2006/metadata/properties"/>
     <ds:schemaRef ds:uri="http://www.w3.org/XML/1998/namespace"/>
     <ds:schemaRef ds:uri="http://purl.org/dc/dcmitype/"/>
-  </ds:schemaRefs>
-</ds:datastoreItem>
-</file>
-
-<file path=customXml/itemProps2.xml><?xml version="1.0" encoding="utf-8"?>
-<ds:datastoreItem xmlns:ds="http://schemas.openxmlformats.org/officeDocument/2006/customXml" ds:itemID="{1851D33F-E468-417B-A30C-509B68D2BD09}">
-  <ds:schemaRefs>
-    <ds:schemaRef ds:uri="http://schemas.microsoft.com/sharepoint/v3/contenttype/forms"/>
   </ds:schemaRefs>
 </ds:datastoreItem>
 </file>

--- a/doc/Task03/Task3.pptx
+++ b/doc/Task03/Task3.pptx
@@ -5,10 +5,10 @@
     <p:sldMasterId id="2147483669" r:id="rId4"/>
   </p:sldMasterIdLst>
   <p:notesMasterIdLst>
-    <p:notesMasterId r:id="rId15"/>
+    <p:notesMasterId r:id="rId17"/>
   </p:notesMasterIdLst>
   <p:handoutMasterIdLst>
-    <p:handoutMasterId r:id="rId16"/>
+    <p:handoutMasterId r:id="rId18"/>
   </p:handoutMasterIdLst>
   <p:sldIdLst>
     <p:sldId id="259" r:id="rId5"/>
@@ -16,11 +16,13 @@
     <p:sldId id="306" r:id="rId7"/>
     <p:sldId id="307" r:id="rId8"/>
     <p:sldId id="308" r:id="rId9"/>
-    <p:sldId id="309" r:id="rId10"/>
+    <p:sldId id="314" r:id="rId10"/>
     <p:sldId id="312" r:id="rId11"/>
-    <p:sldId id="310" r:id="rId12"/>
-    <p:sldId id="311" r:id="rId13"/>
-    <p:sldId id="305" r:id="rId14"/>
+    <p:sldId id="309" r:id="rId12"/>
+    <p:sldId id="310" r:id="rId13"/>
+    <p:sldId id="313" r:id="rId14"/>
+    <p:sldId id="311" r:id="rId15"/>
+    <p:sldId id="305" r:id="rId16"/>
   </p:sldIdLst>
   <p:sldSz cx="9144000" cy="6858000" type="screen4x3"/>
   <p:notesSz cx="6669088" cy="9926638"/>
@@ -151,7 +153,7 @@
   </p:defaultTextStyle>
   <p:extLst>
     <p:ext uri="{EFAFB233-063F-42B5-8137-9DF3F51BA10A}">
-      <p15:sldGuideLst xmlns:p15="http://schemas.microsoft.com/office/powerpoint/2012/main">
+      <p15:sldGuideLst xmlns="" xmlns:p15="http://schemas.microsoft.com/office/powerpoint/2012/main">
         <p15:guide id="1" orient="horz" pos="2160">
           <p15:clr>
             <a:srgbClr val="A4A3A4"/>
@@ -165,7 +167,7 @@
       </p15:sldGuideLst>
     </p:ext>
     <p:ext uri="{2D200454-40CA-4A62-9FC3-DE9A4176ACB9}">
-      <p15:notesGuideLst xmlns:p15="http://schemas.microsoft.com/office/powerpoint/2012/main">
+      <p15:notesGuideLst xmlns="" xmlns:p15="http://schemas.microsoft.com/office/powerpoint/2012/main">
         <p15:guide id="1" orient="horz" pos="3127">
           <p15:clr>
             <a:srgbClr val="A4A3A4"/>
@@ -1096,10 +1098,10 @@
           <p:nvPr/>
         </p:nvPicPr>
         <p:blipFill>
-          <a:blip r:embed="rId2">
+          <a:blip r:embed="rId2" cstate="print">
             <a:extLst>
               <a:ext uri="{28A0092B-C50C-407E-A947-70E740481C1C}">
-                <a14:useLocalDpi xmlns:a14="http://schemas.microsoft.com/office/drawing/2010/main" val="0"/>
+                <a14:useLocalDpi xmlns:a14="http://schemas.microsoft.com/office/drawing/2010/main"/>
               </a:ext>
             </a:extLst>
           </a:blip>
@@ -2836,10 +2838,10 @@
           <p:nvPr/>
         </p:nvPicPr>
         <p:blipFill>
-          <a:blip r:embed="rId2">
+          <a:blip r:embed="rId2" cstate="print">
             <a:extLst>
               <a:ext uri="{28A0092B-C50C-407E-A947-70E740481C1C}">
-                <a14:useLocalDpi xmlns:a14="http://schemas.microsoft.com/office/drawing/2010/main" val="0"/>
+                <a14:useLocalDpi xmlns:a14="http://schemas.microsoft.com/office/drawing/2010/main"/>
               </a:ext>
             </a:extLst>
           </a:blip>
@@ -7220,6 +7222,274 @@
       </p:grpSpPr>
       <p:sp>
         <p:nvSpPr>
+          <p:cNvPr id="2" name="Inhaltsplatzhalter 1"/>
+          <p:cNvSpPr>
+            <a:spLocks noGrp="1"/>
+          </p:cNvSpPr>
+          <p:nvPr>
+            <p:ph sz="half" idx="1"/>
+          </p:nvPr>
+        </p:nvSpPr>
+        <p:spPr/>
+        <p:txBody>
+          <a:bodyPr/>
+          <a:lstStyle/>
+          <a:p>
+            <a:endParaRPr lang="de-CH"/>
+          </a:p>
+        </p:txBody>
+      </p:sp>
+      <p:sp>
+        <p:nvSpPr>
+          <p:cNvPr id="3" name="Titel 2"/>
+          <p:cNvSpPr>
+            <a:spLocks noGrp="1"/>
+          </p:cNvSpPr>
+          <p:nvPr>
+            <p:ph type="ctrTitle"/>
+          </p:nvPr>
+        </p:nvSpPr>
+        <p:spPr/>
+        <p:txBody>
+          <a:bodyPr/>
+          <a:lstStyle/>
+          <a:p>
+            <a:r>
+              <a:rPr lang="de-CH" dirty="0" smtClean="0"/>
+              <a:t>Prototype</a:t>
+            </a:r>
+            <a:endParaRPr lang="de-CH" dirty="0"/>
+          </a:p>
+        </p:txBody>
+      </p:sp>
+      <p:pic>
+        <p:nvPicPr>
+          <p:cNvPr id="4" name="Grafik 3"/>
+          <p:cNvPicPr/>
+          <p:nvPr/>
+        </p:nvPicPr>
+        <p:blipFill>
+          <a:blip r:embed="rId2">
+            <a:extLst>
+              <a:ext uri="{28A0092B-C50C-407E-A947-70E740481C1C}">
+                <a14:useLocalDpi xmlns:a14="http://schemas.microsoft.com/office/drawing/2010/main"/>
+              </a:ext>
+            </a:extLst>
+          </a:blip>
+          <a:srcRect/>
+          <a:stretch>
+            <a:fillRect/>
+          </a:stretch>
+        </p:blipFill>
+        <p:spPr bwMode="auto">
+          <a:xfrm>
+            <a:off x="1786467" y="1627749"/>
+            <a:ext cx="2308860" cy="3672840"/>
+          </a:xfrm>
+          <a:prstGeom prst="rect">
+            <a:avLst/>
+          </a:prstGeom>
+          <a:noFill/>
+          <a:ln>
+            <a:noFill/>
+          </a:ln>
+        </p:spPr>
+      </p:pic>
+      <p:pic>
+        <p:nvPicPr>
+          <p:cNvPr id="6" name="Grafik 5"/>
+          <p:cNvPicPr/>
+          <p:nvPr/>
+        </p:nvPicPr>
+        <p:blipFill rotWithShape="1">
+          <a:blip r:embed="rId3" cstate="print">
+            <a:extLst>
+              <a:ext uri="{28A0092B-C50C-407E-A947-70E740481C1C}">
+                <a14:useLocalDpi xmlns:a14="http://schemas.microsoft.com/office/drawing/2010/main"/>
+              </a:ext>
+            </a:extLst>
+          </a:blip>
+          <a:srcRect b="6458"/>
+          <a:stretch/>
+        </p:blipFill>
+        <p:spPr bwMode="auto">
+          <a:xfrm>
+            <a:off x="5292683" y="1627749"/>
+            <a:ext cx="2339340" cy="3642360"/>
+          </a:xfrm>
+          <a:prstGeom prst="rect">
+            <a:avLst/>
+          </a:prstGeom>
+          <a:noFill/>
+          <a:ln>
+            <a:noFill/>
+          </a:ln>
+          <a:extLst>
+            <a:ext uri="{53640926-AAD7-44D8-BBD7-CCE9431645EC}">
+              <a14:shadowObscured xmlns:a14="http://schemas.microsoft.com/office/drawing/2010/main"/>
+            </a:ext>
+          </a:extLst>
+        </p:spPr>
+      </p:pic>
+    </p:spTree>
+    <p:extLst>
+      <p:ext uri="{BB962C8B-B14F-4D97-AF65-F5344CB8AC3E}">
+        <p14:creationId xmlns:p14="http://schemas.microsoft.com/office/powerpoint/2010/main" val="2741672882"/>
+      </p:ext>
+    </p:extLst>
+  </p:cSld>
+  <p:clrMapOvr>
+    <a:masterClrMapping/>
+  </p:clrMapOvr>
+  <p:timing>
+    <p:tnLst>
+      <p:par>
+        <p:cTn id="1" dur="indefinite" restart="never" nodeType="tmRoot"/>
+      </p:par>
+    </p:tnLst>
+  </p:timing>
+</p:sld>
+</file>
+
+<file path=ppt/slides/slide11.xml><?xml version="1.0" encoding="utf-8"?>
+<p:sld xmlns:a="http://schemas.openxmlformats.org/drawingml/2006/main" xmlns:r="http://schemas.openxmlformats.org/officeDocument/2006/relationships" xmlns:p="http://schemas.openxmlformats.org/presentationml/2006/main">
+  <p:cSld>
+    <p:spTree>
+      <p:nvGrpSpPr>
+        <p:cNvPr id="1" name=""/>
+        <p:cNvGrpSpPr/>
+        <p:nvPr/>
+      </p:nvGrpSpPr>
+      <p:grpSpPr>
+        <a:xfrm>
+          <a:off x="0" y="0"/>
+          <a:ext cx="0" cy="0"/>
+          <a:chOff x="0" y="0"/>
+          <a:chExt cx="0" cy="0"/>
+        </a:xfrm>
+      </p:grpSpPr>
+      <p:sp>
+        <p:nvSpPr>
+          <p:cNvPr id="2" name="Inhaltsplatzhalter 1"/>
+          <p:cNvSpPr>
+            <a:spLocks noGrp="1"/>
+          </p:cNvSpPr>
+          <p:nvPr>
+            <p:ph sz="half" idx="1"/>
+          </p:nvPr>
+        </p:nvSpPr>
+        <p:spPr/>
+        <p:txBody>
+          <a:bodyPr/>
+          <a:lstStyle/>
+          <a:p>
+            <a:endParaRPr lang="de-CH" dirty="0"/>
+          </a:p>
+        </p:txBody>
+      </p:sp>
+      <p:sp>
+        <p:nvSpPr>
+          <p:cNvPr id="3" name="Titel 2"/>
+          <p:cNvSpPr>
+            <a:spLocks noGrp="1"/>
+          </p:cNvSpPr>
+          <p:nvPr>
+            <p:ph type="ctrTitle"/>
+          </p:nvPr>
+        </p:nvSpPr>
+        <p:spPr/>
+        <p:txBody>
+          <a:bodyPr/>
+          <a:lstStyle/>
+          <a:p>
+            <a:r>
+              <a:rPr lang="de-CH" dirty="0" err="1" smtClean="0"/>
+              <a:t>Valitation</a:t>
+            </a:r>
+            <a:endParaRPr lang="de-CH" dirty="0"/>
+          </a:p>
+        </p:txBody>
+      </p:sp>
+      <p:pic>
+        <p:nvPicPr>
+          <p:cNvPr id="5122" name="Picture 2" descr="http://www.health.gov.fj/fijindr/images/attention.png"/>
+          <p:cNvPicPr>
+            <a:picLocks noChangeAspect="1" noChangeArrowheads="1"/>
+          </p:cNvPicPr>
+          <p:nvPr/>
+        </p:nvPicPr>
+        <p:blipFill>
+          <a:blip r:embed="rId2" cstate="print">
+            <a:extLst>
+              <a:ext uri="{28A0092B-C50C-407E-A947-70E740481C1C}">
+                <a14:useLocalDpi xmlns:a14="http://schemas.microsoft.com/office/drawing/2010/main"/>
+              </a:ext>
+            </a:extLst>
+          </a:blip>
+          <a:srcRect/>
+          <a:stretch>
+            <a:fillRect/>
+          </a:stretch>
+        </p:blipFill>
+        <p:spPr bwMode="auto">
+          <a:xfrm>
+            <a:off x="6928497" y="4510240"/>
+            <a:ext cx="1869922" cy="1686047"/>
+          </a:xfrm>
+          <a:prstGeom prst="rect">
+            <a:avLst/>
+          </a:prstGeom>
+          <a:noFill/>
+          <a:extLst>
+            <a:ext uri="{909E8E84-426E-40DD-AFC4-6F175D3DCCD1}">
+              <a14:hiddenFill xmlns:a14="http://schemas.microsoft.com/office/drawing/2010/main">
+                <a:solidFill>
+                  <a:srgbClr val="FFFFFF"/>
+                </a:solidFill>
+              </a14:hiddenFill>
+            </a:ext>
+          </a:extLst>
+        </p:spPr>
+      </p:pic>
+    </p:spTree>
+    <p:extLst>
+      <p:ext uri="{BB962C8B-B14F-4D97-AF65-F5344CB8AC3E}">
+        <p14:creationId xmlns:p14="http://schemas.microsoft.com/office/powerpoint/2010/main" val="605634403"/>
+      </p:ext>
+    </p:extLst>
+  </p:cSld>
+  <p:clrMapOvr>
+    <a:masterClrMapping/>
+  </p:clrMapOvr>
+  <p:timing>
+    <p:tnLst>
+      <p:par>
+        <p:cTn id="1" dur="indefinite" restart="never" nodeType="tmRoot"/>
+      </p:par>
+    </p:tnLst>
+  </p:timing>
+</p:sld>
+</file>
+
+<file path=ppt/slides/slide12.xml><?xml version="1.0" encoding="utf-8"?>
+<p:sld xmlns:a="http://schemas.openxmlformats.org/drawingml/2006/main" xmlns:r="http://schemas.openxmlformats.org/officeDocument/2006/relationships" xmlns:p="http://schemas.openxmlformats.org/presentationml/2006/main">
+  <p:cSld>
+    <p:spTree>
+      <p:nvGrpSpPr>
+        <p:cNvPr id="1" name=""/>
+        <p:cNvGrpSpPr/>
+        <p:nvPr/>
+      </p:nvGrpSpPr>
+      <p:grpSpPr>
+        <a:xfrm>
+          <a:off x="0" y="0"/>
+          <a:ext cx="0" cy="0"/>
+          <a:chOff x="0" y="0"/>
+          <a:chExt cx="0" cy="0"/>
+        </a:xfrm>
+      </p:grpSpPr>
+      <p:sp>
+        <p:nvSpPr>
           <p:cNvPr id="2" name="Titel 1"/>
           <p:cNvSpPr>
             <a:spLocks noGrp="1"/>
@@ -7972,6 +8242,47 @@
           </a:p>
         </p:txBody>
       </p:sp>
+      <p:pic>
+        <p:nvPicPr>
+          <p:cNvPr id="3074" name="Picture 2" descr="http://www.bogenloewe.de/images/BO_60102_60104_Fita_Ringscheibe_40_80%20cm.jpg"/>
+          <p:cNvPicPr>
+            <a:picLocks noChangeAspect="1" noChangeArrowheads="1"/>
+          </p:cNvPicPr>
+          <p:nvPr/>
+        </p:nvPicPr>
+        <p:blipFill>
+          <a:blip r:embed="rId2" cstate="print">
+            <a:extLst>
+              <a:ext uri="{28A0092B-C50C-407E-A947-70E740481C1C}">
+                <a14:useLocalDpi xmlns:a14="http://schemas.microsoft.com/office/drawing/2010/main"/>
+              </a:ext>
+            </a:extLst>
+          </a:blip>
+          <a:srcRect/>
+          <a:stretch>
+            <a:fillRect/>
+          </a:stretch>
+        </p:blipFill>
+        <p:spPr bwMode="auto">
+          <a:xfrm>
+            <a:off x="6701110" y="4418039"/>
+            <a:ext cx="1827430" cy="1827430"/>
+          </a:xfrm>
+          <a:prstGeom prst="rect">
+            <a:avLst/>
+          </a:prstGeom>
+          <a:noFill/>
+          <a:extLst>
+            <a:ext uri="{909E8E84-426E-40DD-AFC4-6F175D3DCCD1}">
+              <a14:hiddenFill xmlns:a14="http://schemas.microsoft.com/office/drawing/2010/main">
+                <a:solidFill>
+                  <a:srgbClr val="FFFFFF"/>
+                </a:solidFill>
+              </a14:hiddenFill>
+            </a:ext>
+          </a:extLst>
+        </p:spPr>
+      </p:pic>
     </p:spTree>
     <p:extLst>
       <p:ext uri="{BB962C8B-B14F-4D97-AF65-F5344CB8AC3E}">
@@ -8204,7 +8515,7 @@
             <a:endParaRPr lang="en-GB" dirty="0"/>
           </a:p>
           <a:p>
-            <a:pPr lvl="0"/>
+            <a:pPr lvl="1"/>
             <a:r>
               <a:rPr lang="de-CH" dirty="0" smtClean="0"/>
               <a:t>Sozialarbeiter </a:t>
@@ -8216,7 +8527,7 @@
             <a:endParaRPr lang="en-GB" dirty="0"/>
           </a:p>
           <a:p>
-            <a:pPr lvl="0"/>
+            <a:pPr lvl="1"/>
             <a:r>
               <a:rPr lang="de-CH" dirty="0" smtClean="0"/>
               <a:t>Informationen </a:t>
@@ -8228,7 +8539,7 @@
             <a:endParaRPr lang="en-GB" dirty="0"/>
           </a:p>
           <a:p>
-            <a:pPr lvl="0"/>
+            <a:pPr lvl="1"/>
             <a:r>
               <a:rPr lang="de-CH" dirty="0"/>
               <a:t>Informationen zu Gespräch mit Patient speichern</a:t>
@@ -8247,7 +8558,7 @@
             <a:endParaRPr lang="en-GB" dirty="0"/>
           </a:p>
           <a:p>
-            <a:pPr lvl="0"/>
+            <a:pPr lvl="1"/>
             <a:r>
               <a:rPr lang="de-CH" dirty="0"/>
               <a:t>Übersicht im Kalender (Tages- &amp; Wochenansicht)</a:t>
@@ -8255,7 +8566,7 @@
             <a:endParaRPr lang="en-GB" dirty="0"/>
           </a:p>
           <a:p>
-            <a:pPr lvl="0"/>
+            <a:pPr lvl="1"/>
             <a:r>
               <a:rPr lang="de-CH" dirty="0"/>
               <a:t>Terminvereinbarung mit Patienten</a:t>
@@ -8263,7 +8574,7 @@
             <a:endParaRPr lang="en-GB" dirty="0"/>
           </a:p>
           <a:p>
-            <a:pPr lvl="0"/>
+            <a:pPr lvl="1"/>
             <a:r>
               <a:rPr lang="de-CH" dirty="0"/>
               <a:t>Patientenübersicht</a:t>
@@ -8271,7 +8582,7 @@
             <a:endParaRPr lang="en-GB" dirty="0"/>
           </a:p>
           <a:p>
-            <a:pPr lvl="0"/>
+            <a:pPr lvl="1"/>
             <a:r>
               <a:rPr lang="de-CH" dirty="0" smtClean="0"/>
               <a:t>Verlauf </a:t>
@@ -8283,7 +8594,7 @@
             <a:endParaRPr lang="en-GB" dirty="0"/>
           </a:p>
           <a:p>
-            <a:pPr lvl="0"/>
+            <a:pPr lvl="1"/>
             <a:r>
               <a:rPr lang="de-CH" dirty="0"/>
               <a:t>Ein- und Austrittsdatum Kliniken</a:t>
@@ -8291,7 +8602,7 @@
             <a:endParaRPr lang="en-GB" dirty="0"/>
           </a:p>
           <a:p>
-            <a:pPr lvl="0"/>
+            <a:pPr lvl="1"/>
             <a:r>
               <a:rPr lang="de-CH" dirty="0"/>
               <a:t>Datensicherheit</a:t>
@@ -8326,6 +8637,47 @@
           </a:p>
         </p:txBody>
       </p:sp>
+      <p:pic>
+        <p:nvPicPr>
+          <p:cNvPr id="4098" name="Picture 2" descr="http://www.clipartbest.com/cliparts/RcA/6Bp/RcA6Bpzpi.jpeg"/>
+          <p:cNvPicPr>
+            <a:picLocks noChangeAspect="1" noChangeArrowheads="1"/>
+          </p:cNvPicPr>
+          <p:nvPr/>
+        </p:nvPicPr>
+        <p:blipFill>
+          <a:blip r:embed="rId2">
+            <a:extLst>
+              <a:ext uri="{28A0092B-C50C-407E-A947-70E740481C1C}">
+                <a14:useLocalDpi xmlns:a14="http://schemas.microsoft.com/office/drawing/2010/main"/>
+              </a:ext>
+            </a:extLst>
+          </a:blip>
+          <a:srcRect/>
+          <a:stretch>
+            <a:fillRect/>
+          </a:stretch>
+        </p:blipFill>
+        <p:spPr bwMode="auto">
+          <a:xfrm>
+            <a:off x="6928881" y="4496246"/>
+            <a:ext cx="1867728" cy="1686578"/>
+          </a:xfrm>
+          <a:prstGeom prst="rect">
+            <a:avLst/>
+          </a:prstGeom>
+          <a:noFill/>
+          <a:extLst>
+            <a:ext uri="{909E8E84-426E-40DD-AFC4-6F175D3DCCD1}">
+              <a14:hiddenFill xmlns:a14="http://schemas.microsoft.com/office/drawing/2010/main">
+                <a:solidFill>
+                  <a:srgbClr val="FFFFFF"/>
+                </a:solidFill>
+              </a14:hiddenFill>
+            </a:ext>
+          </a:extLst>
+        </p:spPr>
+      </p:pic>
     </p:spTree>
     <p:extLst>
       <p:ext uri="{BB962C8B-B14F-4D97-AF65-F5344CB8AC3E}">
@@ -8378,19 +8730,6 @@
           <a:bodyPr/>
           <a:lstStyle/>
           <a:p>
-            <a:r>
-              <a:rPr lang="de-CH" dirty="0"/>
-              <a:t>Terminablauf mit einem Patienten im Büro des </a:t>
-            </a:r>
-            <a:r>
-              <a:rPr lang="de-CH" dirty="0" smtClean="0"/>
-              <a:t>Sozialarbeiter</a:t>
-            </a:r>
-          </a:p>
-          <a:p>
-            <a:pPr marL="0" indent="0">
-              <a:buNone/>
-            </a:pPr>
             <a:endParaRPr lang="de-CH" dirty="0"/>
           </a:p>
         </p:txBody>
@@ -8412,7 +8751,7 @@
           <a:p>
             <a:r>
               <a:rPr lang="de-CH" dirty="0" smtClean="0"/>
-              <a:t>Design</a:t>
+              <a:t>User</a:t>
             </a:r>
             <a:endParaRPr lang="de-CH" dirty="0"/>
           </a:p>
@@ -8420,7 +8759,7 @@
       </p:sp>
       <p:pic>
         <p:nvPicPr>
-          <p:cNvPr id="1029" name="Bild 16"/>
+          <p:cNvPr id="2050" name="Picture 2" descr="http://www.aliro-opens-doors.com/images/icon-glossary/user-placeholder-female.png"/>
           <p:cNvPicPr>
             <a:picLocks noChangeAspect="1" noChangeArrowheads="1"/>
           </p:cNvPicPr>
@@ -8430,7 +8769,7 @@
           <a:blip r:embed="rId2">
             <a:extLst>
               <a:ext uri="{28A0092B-C50C-407E-A947-70E740481C1C}">
-                <a14:useLocalDpi xmlns:a14="http://schemas.microsoft.com/office/drawing/2010/main" val="0"/>
+                <a14:useLocalDpi xmlns:a14="http://schemas.microsoft.com/office/drawing/2010/main"/>
               </a:ext>
             </a:extLst>
           </a:blip>
@@ -8440,9 +8779,9 @@
           </a:stretch>
         </p:blipFill>
         <p:spPr bwMode="auto">
-          <a:xfrm rot="-5400000">
-            <a:off x="1429726" y="1917944"/>
-            <a:ext cx="1841500" cy="1758950"/>
+          <a:xfrm>
+            <a:off x="6916860" y="4379424"/>
+            <a:ext cx="1219200" cy="1219201"/>
           </a:xfrm>
           <a:prstGeom prst="rect">
             <a:avLst/>
@@ -8459,237 +8798,10 @@
           </a:extLst>
         </p:spPr>
       </p:pic>
-      <p:pic>
-        <p:nvPicPr>
-          <p:cNvPr id="1028" name="Bild 17"/>
-          <p:cNvPicPr>
-            <a:picLocks noChangeAspect="1" noChangeArrowheads="1"/>
-          </p:cNvPicPr>
-          <p:nvPr/>
-        </p:nvPicPr>
-        <p:blipFill>
-          <a:blip r:embed="rId3">
-            <a:extLst>
-              <a:ext uri="{28A0092B-C50C-407E-A947-70E740481C1C}">
-                <a14:useLocalDpi xmlns:a14="http://schemas.microsoft.com/office/drawing/2010/main" val="0"/>
-              </a:ext>
-            </a:extLst>
-          </a:blip>
-          <a:srcRect/>
-          <a:stretch>
-            <a:fillRect/>
-          </a:stretch>
-        </p:blipFill>
-        <p:spPr bwMode="auto">
-          <a:xfrm rot="-5400000">
-            <a:off x="3332284" y="2203694"/>
-            <a:ext cx="1835150" cy="1155700"/>
-          </a:xfrm>
-          <a:prstGeom prst="rect">
-            <a:avLst/>
-          </a:prstGeom>
-          <a:noFill/>
-          <a:extLst>
-            <a:ext uri="{909E8E84-426E-40DD-AFC4-6F175D3DCCD1}">
-              <a14:hiddenFill xmlns:a14="http://schemas.microsoft.com/office/drawing/2010/main">
-                <a:solidFill>
-                  <a:srgbClr val="FFFFFF"/>
-                </a:solidFill>
-              </a14:hiddenFill>
-            </a:ext>
-          </a:extLst>
-        </p:spPr>
-      </p:pic>
-      <p:pic>
-        <p:nvPicPr>
-          <p:cNvPr id="1027" name="Bild 18"/>
-          <p:cNvPicPr>
-            <a:picLocks noChangeAspect="1" noChangeArrowheads="1"/>
-          </p:cNvPicPr>
-          <p:nvPr/>
-        </p:nvPicPr>
-        <p:blipFill>
-          <a:blip r:embed="rId4">
-            <a:extLst>
-              <a:ext uri="{28A0092B-C50C-407E-A947-70E740481C1C}">
-                <a14:useLocalDpi xmlns:a14="http://schemas.microsoft.com/office/drawing/2010/main" val="0"/>
-              </a:ext>
-            </a:extLst>
-          </a:blip>
-          <a:srcRect/>
-          <a:stretch>
-            <a:fillRect/>
-          </a:stretch>
-        </p:blipFill>
-        <p:spPr bwMode="auto">
-          <a:xfrm rot="-5400000">
-            <a:off x="4970829" y="2235444"/>
-            <a:ext cx="1822450" cy="1079500"/>
-          </a:xfrm>
-          <a:prstGeom prst="rect">
-            <a:avLst/>
-          </a:prstGeom>
-          <a:noFill/>
-          <a:extLst>
-            <a:ext uri="{909E8E84-426E-40DD-AFC4-6F175D3DCCD1}">
-              <a14:hiddenFill xmlns:a14="http://schemas.microsoft.com/office/drawing/2010/main">
-                <a:solidFill>
-                  <a:srgbClr val="FFFFFF"/>
-                </a:solidFill>
-              </a14:hiddenFill>
-            </a:ext>
-          </a:extLst>
-        </p:spPr>
-      </p:pic>
-      <p:pic>
-        <p:nvPicPr>
-          <p:cNvPr id="1026" name="Bild 19"/>
-          <p:cNvPicPr>
-            <a:picLocks noChangeAspect="1" noChangeArrowheads="1"/>
-          </p:cNvPicPr>
-          <p:nvPr/>
-        </p:nvPicPr>
-        <p:blipFill>
-          <a:blip r:embed="rId5">
-            <a:extLst>
-              <a:ext uri="{28A0092B-C50C-407E-A947-70E740481C1C}">
-                <a14:useLocalDpi xmlns:a14="http://schemas.microsoft.com/office/drawing/2010/main" val="0"/>
-              </a:ext>
-            </a:extLst>
-          </a:blip>
-          <a:srcRect/>
-          <a:stretch>
-            <a:fillRect/>
-          </a:stretch>
-        </p:blipFill>
-        <p:spPr bwMode="auto">
-          <a:xfrm rot="-5400000">
-            <a:off x="1344001" y="4018084"/>
-            <a:ext cx="1682750" cy="1428750"/>
-          </a:xfrm>
-          <a:prstGeom prst="rect">
-            <a:avLst/>
-          </a:prstGeom>
-          <a:noFill/>
-          <a:extLst>
-            <a:ext uri="{909E8E84-426E-40DD-AFC4-6F175D3DCCD1}">
-              <a14:hiddenFill xmlns:a14="http://schemas.microsoft.com/office/drawing/2010/main">
-                <a:solidFill>
-                  <a:srgbClr val="FFFFFF"/>
-                </a:solidFill>
-              </a14:hiddenFill>
-            </a:ext>
-          </a:extLst>
-        </p:spPr>
-      </p:pic>
-      <p:pic>
-        <p:nvPicPr>
-          <p:cNvPr id="1025" name="Bild 20"/>
-          <p:cNvPicPr>
-            <a:picLocks noChangeAspect="1" noChangeArrowheads="1"/>
-          </p:cNvPicPr>
-          <p:nvPr/>
-        </p:nvPicPr>
-        <p:blipFill>
-          <a:blip r:embed="rId6">
-            <a:extLst>
-              <a:ext uri="{28A0092B-C50C-407E-A947-70E740481C1C}">
-                <a14:useLocalDpi xmlns:a14="http://schemas.microsoft.com/office/drawing/2010/main" val="0"/>
-              </a:ext>
-            </a:extLst>
-          </a:blip>
-          <a:srcRect/>
-          <a:stretch>
-            <a:fillRect/>
-          </a:stretch>
-        </p:blipFill>
-        <p:spPr bwMode="auto">
-          <a:xfrm rot="-5400000">
-            <a:off x="3402133" y="4030784"/>
-            <a:ext cx="1695450" cy="1403350"/>
-          </a:xfrm>
-          <a:prstGeom prst="rect">
-            <a:avLst/>
-          </a:prstGeom>
-          <a:noFill/>
-          <a:extLst>
-            <a:ext uri="{909E8E84-426E-40DD-AFC4-6F175D3DCCD1}">
-              <a14:hiddenFill xmlns:a14="http://schemas.microsoft.com/office/drawing/2010/main">
-                <a:solidFill>
-                  <a:srgbClr val="FFFFFF"/>
-                </a:solidFill>
-              </a14:hiddenFill>
-            </a:ext>
-          </a:extLst>
-        </p:spPr>
-      </p:pic>
-      <p:sp>
-        <p:nvSpPr>
-          <p:cNvPr id="4" name="Rectangle 6"/>
-          <p:cNvSpPr>
-            <a:spLocks noChangeArrowheads="1"/>
-          </p:cNvSpPr>
-          <p:nvPr/>
-        </p:nvSpPr>
-        <p:spPr bwMode="auto">
-          <a:xfrm>
-            <a:off x="0" y="0"/>
-            <a:ext cx="9144000" cy="457200"/>
-          </a:xfrm>
-          <a:prstGeom prst="rect">
-            <a:avLst/>
-          </a:prstGeom>
-          <a:noFill/>
-          <a:ln>
-            <a:noFill/>
-          </a:ln>
-          <a:effectLst/>
-          <a:extLst>
-            <a:ext uri="{909E8E84-426E-40DD-AFC4-6F175D3DCCD1}">
-              <a14:hiddenFill xmlns:a14="http://schemas.microsoft.com/office/drawing/2010/main">
-                <a:solidFill>
-                  <a:schemeClr val="accent1"/>
-                </a:solidFill>
-              </a14:hiddenFill>
-            </a:ext>
-            <a:ext uri="{91240B29-F687-4F45-9708-019B960494DF}">
-              <a14:hiddenLine xmlns:a14="http://schemas.microsoft.com/office/drawing/2010/main" w="9525">
-                <a:solidFill>
-                  <a:schemeClr val="tx1"/>
-                </a:solidFill>
-                <a:miter lim="800000"/>
-                <a:headEnd/>
-                <a:tailEnd/>
-              </a14:hiddenLine>
-            </a:ext>
-            <a:ext uri="{AF507438-7753-43E0-B8FC-AC1667EBCBE1}">
-              <a14:hiddenEffects xmlns:a14="http://schemas.microsoft.com/office/drawing/2010/main">
-                <a:effectLst>
-                  <a:outerShdw dist="35921" dir="2700000" algn="ctr" rotWithShape="0">
-                    <a:schemeClr val="bg2"/>
-                  </a:outerShdw>
-                </a:effectLst>
-              </a14:hiddenEffects>
-            </a:ext>
-          </a:extLst>
-        </p:spPr>
-        <p:txBody>
-          <a:bodyPr vert="horz" wrap="none" lIns="91440" tIns="45720" rIns="91440" bIns="45720" numCol="1" anchor="ctr" anchorCtr="0" compatLnSpc="1">
-            <a:prstTxWarp prst="textNoShape">
-              <a:avLst/>
-            </a:prstTxWarp>
-            <a:spAutoFit/>
-          </a:bodyPr>
-          <a:lstStyle/>
-          <a:p>
-            <a:endParaRPr lang="de-CH"/>
-          </a:p>
-        </p:txBody>
-      </p:sp>
     </p:spTree>
     <p:extLst>
       <p:ext uri="{BB962C8B-B14F-4D97-AF65-F5344CB8AC3E}">
-        <p14:creationId xmlns:p14="http://schemas.microsoft.com/office/powerpoint/2010/main" val="2772796197"/>
+        <p14:creationId xmlns:p14="http://schemas.microsoft.com/office/powerpoint/2010/main" val="2744848306"/>
       </p:ext>
     </p:extLst>
   </p:cSld>
@@ -8742,7 +8854,43 @@
               <a:rPr lang="de-CH" dirty="0" smtClean="0"/>
               <a:t>Termin mit einem Patienten vereinbaren</a:t>
             </a:r>
+          </a:p>
+          <a:p>
             <a:endParaRPr lang="de-CH" dirty="0"/>
+          </a:p>
+          <a:p>
+            <a:endParaRPr lang="de-CH" dirty="0" smtClean="0"/>
+          </a:p>
+          <a:p>
+            <a:endParaRPr lang="de-CH" dirty="0"/>
+          </a:p>
+          <a:p>
+            <a:endParaRPr lang="de-CH" dirty="0" smtClean="0"/>
+          </a:p>
+          <a:p>
+            <a:endParaRPr lang="de-CH" dirty="0"/>
+          </a:p>
+          <a:p>
+            <a:r>
+              <a:rPr lang="de-CH" dirty="0"/>
+              <a:t>Aufnahme eines neuen Patienten „on-</a:t>
+            </a:r>
+            <a:r>
+              <a:rPr lang="de-CH" dirty="0" err="1"/>
+              <a:t>the</a:t>
+            </a:r>
+            <a:r>
+              <a:rPr lang="de-CH" dirty="0"/>
+              <a:t>-</a:t>
+            </a:r>
+            <a:r>
+              <a:rPr lang="de-CH" dirty="0" err="1"/>
+              <a:t>fly</a:t>
+            </a:r>
+            <a:r>
+              <a:rPr lang="de-CH" dirty="0"/>
+              <a:t>“</a:t>
+            </a:r>
           </a:p>
         </p:txBody>
       </p:sp>
@@ -8778,10 +8926,11 @@
           <p:nvPr/>
         </p:nvPicPr>
         <p:blipFill>
-          <a:blip r:embed="rId2">
+          <a:blip r:embed="rId2" cstate="print">
+            <a:grayscl/>
             <a:extLst>
               <a:ext uri="{28A0092B-C50C-407E-A947-70E740481C1C}">
-                <a14:useLocalDpi xmlns:a14="http://schemas.microsoft.com/office/drawing/2010/main" val="0"/>
+                <a14:useLocalDpi xmlns:a14="http://schemas.microsoft.com/office/drawing/2010/main"/>
               </a:ext>
             </a:extLst>
           </a:blip>
@@ -8792,7 +8941,7 @@
         </p:blipFill>
         <p:spPr bwMode="auto">
           <a:xfrm rot="10800000">
-            <a:off x="413238" y="2487246"/>
+            <a:off x="413238" y="1598578"/>
             <a:ext cx="1606550" cy="1568450"/>
           </a:xfrm>
           <a:prstGeom prst="rect">
@@ -8819,10 +8968,11 @@
           <p:nvPr/>
         </p:nvPicPr>
         <p:blipFill>
-          <a:blip r:embed="rId2">
+          <a:blip r:embed="rId2" cstate="print">
+            <a:grayscl/>
             <a:extLst>
               <a:ext uri="{28A0092B-C50C-407E-A947-70E740481C1C}">
-                <a14:useLocalDpi xmlns:a14="http://schemas.microsoft.com/office/drawing/2010/main" val="0"/>
+                <a14:useLocalDpi xmlns:a14="http://schemas.microsoft.com/office/drawing/2010/main"/>
               </a:ext>
             </a:extLst>
           </a:blip>
@@ -8833,7 +8983,7 @@
         </p:blipFill>
         <p:spPr bwMode="auto">
           <a:xfrm rot="10800000">
-            <a:off x="2505808" y="2487247"/>
+            <a:off x="2505808" y="1598579"/>
             <a:ext cx="1631950" cy="1587500"/>
           </a:xfrm>
           <a:prstGeom prst="rect">
@@ -8860,10 +9010,11 @@
           <p:nvPr/>
         </p:nvPicPr>
         <p:blipFill>
-          <a:blip r:embed="rId2">
+          <a:blip r:embed="rId2" cstate="print">
+            <a:grayscl/>
             <a:extLst>
               <a:ext uri="{28A0092B-C50C-407E-A947-70E740481C1C}">
-                <a14:useLocalDpi xmlns:a14="http://schemas.microsoft.com/office/drawing/2010/main" val="0"/>
+                <a14:useLocalDpi xmlns:a14="http://schemas.microsoft.com/office/drawing/2010/main"/>
               </a:ext>
             </a:extLst>
           </a:blip>
@@ -8874,7 +9025,7 @@
         </p:blipFill>
         <p:spPr bwMode="auto">
           <a:xfrm rot="10800000">
-            <a:off x="4668715" y="2518996"/>
+            <a:off x="4668715" y="1630328"/>
             <a:ext cx="1581150" cy="1555750"/>
           </a:xfrm>
           <a:prstGeom prst="rect">
@@ -8901,10 +9052,11 @@
           <p:nvPr/>
         </p:nvPicPr>
         <p:blipFill>
-          <a:blip r:embed="rId2">
+          <a:blip r:embed="rId2" cstate="print">
+            <a:grayscl/>
             <a:extLst>
               <a:ext uri="{28A0092B-C50C-407E-A947-70E740481C1C}">
-                <a14:useLocalDpi xmlns:a14="http://schemas.microsoft.com/office/drawing/2010/main" val="0"/>
+                <a14:useLocalDpi xmlns:a14="http://schemas.microsoft.com/office/drawing/2010/main"/>
               </a:ext>
             </a:extLst>
           </a:blip>
@@ -8915,7 +9067,7 @@
         </p:blipFill>
         <p:spPr bwMode="auto">
           <a:xfrm rot="10800000">
-            <a:off x="6585438" y="2487246"/>
+            <a:off x="6585438" y="1598578"/>
             <a:ext cx="1536700" cy="1587500"/>
           </a:xfrm>
           <a:prstGeom prst="rect">
@@ -9085,6 +9237,279 @@
           </a:p>
         </p:txBody>
       </p:sp>
+      <p:pic>
+        <p:nvPicPr>
+          <p:cNvPr id="1029" name="Picture 5"/>
+          <p:cNvPicPr>
+            <a:picLocks noChangeAspect="1" noChangeArrowheads="1"/>
+          </p:cNvPicPr>
+          <p:nvPr/>
+        </p:nvPicPr>
+        <p:blipFill>
+          <a:blip r:embed="rId2" cstate="print">
+            <a:grayscl/>
+            <a:extLst>
+              <a:ext uri="{28A0092B-C50C-407E-A947-70E740481C1C}">
+                <a14:useLocalDpi xmlns:a14="http://schemas.microsoft.com/office/drawing/2010/main"/>
+              </a:ext>
+            </a:extLst>
+          </a:blip>
+          <a:srcRect l="39520" t="56464" r="32584" b="4311"/>
+          <a:stretch>
+            <a:fillRect/>
+          </a:stretch>
+        </p:blipFill>
+        <p:spPr bwMode="auto">
+          <a:xfrm rot="10800000">
+            <a:off x="413238" y="3926742"/>
+            <a:ext cx="1606550" cy="1568450"/>
+          </a:xfrm>
+          <a:prstGeom prst="rect">
+            <a:avLst/>
+          </a:prstGeom>
+          <a:noFill/>
+          <a:extLst>
+            <a:ext uri="{909E8E84-426E-40DD-AFC4-6F175D3DCCD1}">
+              <a14:hiddenFill xmlns:a14="http://schemas.microsoft.com/office/drawing/2010/main">
+                <a:solidFill>
+                  <a:srgbClr val="FFFFFF"/>
+                </a:solidFill>
+              </a14:hiddenFill>
+            </a:ext>
+          </a:extLst>
+        </p:spPr>
+      </p:pic>
+      <p:pic>
+        <p:nvPicPr>
+          <p:cNvPr id="1028" name="Picture 4"/>
+          <p:cNvPicPr>
+            <a:picLocks noChangeAspect="1" noChangeArrowheads="1"/>
+          </p:cNvPicPr>
+          <p:nvPr/>
+        </p:nvPicPr>
+        <p:blipFill>
+          <a:blip r:embed="rId2" cstate="print">
+            <a:grayscl/>
+            <a:extLst>
+              <a:ext uri="{28A0092B-C50C-407E-A947-70E740481C1C}">
+                <a14:useLocalDpi xmlns:a14="http://schemas.microsoft.com/office/drawing/2010/main"/>
+              </a:ext>
+            </a:extLst>
+          </a:blip>
+          <a:srcRect l="9444" t="56866" r="63136" b="4129"/>
+          <a:stretch>
+            <a:fillRect/>
+          </a:stretch>
+        </p:blipFill>
+        <p:spPr bwMode="auto">
+          <a:xfrm rot="10800000">
+            <a:off x="2019788" y="3936267"/>
+            <a:ext cx="1581150" cy="1568450"/>
+          </a:xfrm>
+          <a:prstGeom prst="rect">
+            <a:avLst/>
+          </a:prstGeom>
+          <a:noFill/>
+          <a:extLst>
+            <a:ext uri="{909E8E84-426E-40DD-AFC4-6F175D3DCCD1}">
+              <a14:hiddenFill xmlns:a14="http://schemas.microsoft.com/office/drawing/2010/main">
+                <a:solidFill>
+                  <a:srgbClr val="FFFFFF"/>
+                </a:solidFill>
+              </a14:hiddenFill>
+            </a:ext>
+          </a:extLst>
+        </p:spPr>
+      </p:pic>
+      <p:pic>
+        <p:nvPicPr>
+          <p:cNvPr id="1027" name="Picture 3"/>
+          <p:cNvPicPr>
+            <a:picLocks noChangeAspect="1" noChangeArrowheads="1"/>
+          </p:cNvPicPr>
+          <p:nvPr/>
+        </p:nvPicPr>
+        <p:blipFill>
+          <a:blip r:embed="rId2" cstate="print">
+            <a:grayscl/>
+            <a:extLst>
+              <a:ext uri="{28A0092B-C50C-407E-A947-70E740481C1C}">
+                <a14:useLocalDpi xmlns:a14="http://schemas.microsoft.com/office/drawing/2010/main"/>
+              </a:ext>
+            </a:extLst>
+          </a:blip>
+          <a:srcRect l="67863" t="4256" r="4018" b="56396"/>
+          <a:stretch>
+            <a:fillRect/>
+          </a:stretch>
+        </p:blipFill>
+        <p:spPr bwMode="auto">
+          <a:xfrm rot="10800000">
+            <a:off x="3376730" y="3958249"/>
+            <a:ext cx="1631950" cy="1587500"/>
+          </a:xfrm>
+          <a:prstGeom prst="rect">
+            <a:avLst/>
+          </a:prstGeom>
+          <a:noFill/>
+          <a:extLst>
+            <a:ext uri="{909E8E84-426E-40DD-AFC4-6F175D3DCCD1}">
+              <a14:hiddenFill xmlns:a14="http://schemas.microsoft.com/office/drawing/2010/main">
+                <a:solidFill>
+                  <a:srgbClr val="FFFFFF"/>
+                </a:solidFill>
+              </a14:hiddenFill>
+            </a:ext>
+          </a:extLst>
+        </p:spPr>
+      </p:pic>
+      <p:pic>
+        <p:nvPicPr>
+          <p:cNvPr id="1026" name="Picture 2"/>
+          <p:cNvPicPr>
+            <a:picLocks noChangeAspect="1" noChangeArrowheads="1"/>
+          </p:cNvPicPr>
+          <p:nvPr/>
+        </p:nvPicPr>
+        <p:blipFill>
+          <a:blip r:embed="rId2" cstate="print">
+            <a:grayscl/>
+            <a:extLst>
+              <a:ext uri="{28A0092B-C50C-407E-A947-70E740481C1C}">
+                <a14:useLocalDpi xmlns:a14="http://schemas.microsoft.com/office/drawing/2010/main"/>
+              </a:ext>
+            </a:extLst>
+          </a:blip>
+          <a:srcRect l="36130" t="4028" r="36328" b="57039"/>
+          <a:stretch>
+            <a:fillRect/>
+          </a:stretch>
+        </p:blipFill>
+        <p:spPr bwMode="auto">
+          <a:xfrm rot="10800000">
+            <a:off x="5007461" y="3942617"/>
+            <a:ext cx="1581150" cy="1555750"/>
+          </a:xfrm>
+          <a:prstGeom prst="rect">
+            <a:avLst/>
+          </a:prstGeom>
+          <a:noFill/>
+          <a:extLst>
+            <a:ext uri="{909E8E84-426E-40DD-AFC4-6F175D3DCCD1}">
+              <a14:hiddenFill xmlns:a14="http://schemas.microsoft.com/office/drawing/2010/main">
+                <a:solidFill>
+                  <a:srgbClr val="FFFFFF"/>
+                </a:solidFill>
+              </a14:hiddenFill>
+            </a:ext>
+          </a:extLst>
+        </p:spPr>
+      </p:pic>
+      <p:pic>
+        <p:nvPicPr>
+          <p:cNvPr id="1025" name="Bild 1"/>
+          <p:cNvPicPr>
+            <a:picLocks noChangeAspect="1" noChangeArrowheads="1"/>
+          </p:cNvPicPr>
+          <p:nvPr/>
+        </p:nvPicPr>
+        <p:blipFill>
+          <a:blip r:embed="rId2" cstate="print">
+            <a:grayscl/>
+            <a:extLst>
+              <a:ext uri="{28A0092B-C50C-407E-A947-70E740481C1C}">
+                <a14:useLocalDpi xmlns:a14="http://schemas.microsoft.com/office/drawing/2010/main"/>
+              </a:ext>
+            </a:extLst>
+          </a:blip>
+          <a:srcRect l="4034" t="4477" r="68993" b="55969"/>
+          <a:stretch>
+            <a:fillRect/>
+          </a:stretch>
+        </p:blipFill>
+        <p:spPr bwMode="auto">
+          <a:xfrm rot="10800000">
+            <a:off x="6588612" y="3926742"/>
+            <a:ext cx="1536700" cy="1587500"/>
+          </a:xfrm>
+          <a:prstGeom prst="rect">
+            <a:avLst/>
+          </a:prstGeom>
+          <a:noFill/>
+          <a:extLst>
+            <a:ext uri="{909E8E84-426E-40DD-AFC4-6F175D3DCCD1}">
+              <a14:hiddenFill xmlns:a14="http://schemas.microsoft.com/office/drawing/2010/main">
+                <a:solidFill>
+                  <a:srgbClr val="FFFFFF"/>
+                </a:solidFill>
+              </a14:hiddenFill>
+            </a:ext>
+          </a:extLst>
+        </p:spPr>
+      </p:pic>
+      <p:sp>
+        <p:nvSpPr>
+          <p:cNvPr id="6" name="Rectangle 6"/>
+          <p:cNvSpPr>
+            <a:spLocks noChangeArrowheads="1"/>
+          </p:cNvSpPr>
+          <p:nvPr/>
+        </p:nvSpPr>
+        <p:spPr bwMode="auto">
+          <a:xfrm>
+            <a:off x="152400" y="152400"/>
+            <a:ext cx="9144000" cy="457200"/>
+          </a:xfrm>
+          <a:prstGeom prst="rect">
+            <a:avLst/>
+          </a:prstGeom>
+          <a:noFill/>
+          <a:ln>
+            <a:noFill/>
+          </a:ln>
+          <a:effectLst/>
+          <a:extLst>
+            <a:ext uri="{909E8E84-426E-40DD-AFC4-6F175D3DCCD1}">
+              <a14:hiddenFill xmlns:a14="http://schemas.microsoft.com/office/drawing/2010/main">
+                <a:solidFill>
+                  <a:schemeClr val="accent1"/>
+                </a:solidFill>
+              </a14:hiddenFill>
+            </a:ext>
+            <a:ext uri="{91240B29-F687-4F45-9708-019B960494DF}">
+              <a14:hiddenLine xmlns:a14="http://schemas.microsoft.com/office/drawing/2010/main" w="9525">
+                <a:solidFill>
+                  <a:schemeClr val="tx1"/>
+                </a:solidFill>
+                <a:miter lim="800000"/>
+                <a:headEnd/>
+                <a:tailEnd/>
+              </a14:hiddenLine>
+            </a:ext>
+            <a:ext uri="{AF507438-7753-43E0-B8FC-AC1667EBCBE1}">
+              <a14:hiddenEffects xmlns:a14="http://schemas.microsoft.com/office/drawing/2010/main">
+                <a:effectLst>
+                  <a:outerShdw dist="35921" dir="2700000" algn="ctr" rotWithShape="0">
+                    <a:schemeClr val="bg2"/>
+                  </a:outerShdw>
+                </a:effectLst>
+              </a14:hiddenEffects>
+            </a:ext>
+          </a:extLst>
+        </p:spPr>
+        <p:txBody>
+          <a:bodyPr vert="horz" wrap="none" lIns="91440" tIns="45720" rIns="91440" bIns="45720" numCol="1" anchor="ctr" anchorCtr="0" compatLnSpc="1">
+            <a:prstTxWarp prst="textNoShape">
+              <a:avLst/>
+            </a:prstTxWarp>
+            <a:spAutoFit/>
+          </a:bodyPr>
+          <a:lstStyle/>
+          <a:p>
+            <a:endParaRPr lang="de-CH"/>
+          </a:p>
+        </p:txBody>
+      </p:sp>
     </p:spTree>
     <p:extLst>
       <p:ext uri="{BB962C8B-B14F-4D97-AF65-F5344CB8AC3E}">
@@ -9095,6 +9520,13 @@
   <p:clrMapOvr>
     <a:masterClrMapping/>
   </p:clrMapOvr>
+  <p:timing>
+    <p:tnLst>
+      <p:par>
+        <p:cTn id="1" dur="indefinite" restart="never" nodeType="tmRoot"/>
+      </p:par>
+    </p:tnLst>
+  </p:timing>
 </p:sld>
 </file>
 
@@ -9130,7 +9562,20 @@
           <a:bodyPr/>
           <a:lstStyle/>
           <a:p>
-            <a:endParaRPr lang="de-CH"/>
+            <a:r>
+              <a:rPr lang="de-CH" dirty="0"/>
+              <a:t>Terminablauf mit einem Patienten im Büro des </a:t>
+            </a:r>
+            <a:r>
+              <a:rPr lang="de-CH" dirty="0" smtClean="0"/>
+              <a:t>Sozialarbeiter</a:t>
+            </a:r>
+          </a:p>
+          <a:p>
+            <a:pPr marL="0" indent="0">
+              <a:buNone/>
+            </a:pPr>
+            <a:endParaRPr lang="de-CH" dirty="0"/>
           </a:p>
         </p:txBody>
       </p:sp>
@@ -9151,16 +9596,284 @@
           <a:p>
             <a:r>
               <a:rPr lang="de-CH" dirty="0" smtClean="0"/>
-              <a:t>Prototype</a:t>
+              <a:t>Design</a:t>
             </a:r>
             <a:endParaRPr lang="de-CH" dirty="0"/>
+          </a:p>
+        </p:txBody>
+      </p:sp>
+      <p:pic>
+        <p:nvPicPr>
+          <p:cNvPr id="1029" name="Bild 16"/>
+          <p:cNvPicPr>
+            <a:picLocks noChangeAspect="1" noChangeArrowheads="1"/>
+          </p:cNvPicPr>
+          <p:nvPr/>
+        </p:nvPicPr>
+        <p:blipFill>
+          <a:blip r:embed="rId2">
+            <a:extLst>
+              <a:ext uri="{28A0092B-C50C-407E-A947-70E740481C1C}">
+                <a14:useLocalDpi xmlns:a14="http://schemas.microsoft.com/office/drawing/2010/main"/>
+              </a:ext>
+            </a:extLst>
+          </a:blip>
+          <a:srcRect/>
+          <a:stretch>
+            <a:fillRect/>
+          </a:stretch>
+        </p:blipFill>
+        <p:spPr bwMode="auto">
+          <a:xfrm rot="-5400000">
+            <a:off x="1429726" y="1917944"/>
+            <a:ext cx="1841500" cy="1758950"/>
+          </a:xfrm>
+          <a:prstGeom prst="rect">
+            <a:avLst/>
+          </a:prstGeom>
+          <a:noFill/>
+          <a:extLst>
+            <a:ext uri="{909E8E84-426E-40DD-AFC4-6F175D3DCCD1}">
+              <a14:hiddenFill xmlns:a14="http://schemas.microsoft.com/office/drawing/2010/main">
+                <a:solidFill>
+                  <a:srgbClr val="FFFFFF"/>
+                </a:solidFill>
+              </a14:hiddenFill>
+            </a:ext>
+          </a:extLst>
+        </p:spPr>
+      </p:pic>
+      <p:pic>
+        <p:nvPicPr>
+          <p:cNvPr id="1028" name="Bild 17"/>
+          <p:cNvPicPr>
+            <a:picLocks noChangeAspect="1" noChangeArrowheads="1"/>
+          </p:cNvPicPr>
+          <p:nvPr/>
+        </p:nvPicPr>
+        <p:blipFill>
+          <a:blip r:embed="rId3">
+            <a:extLst>
+              <a:ext uri="{28A0092B-C50C-407E-A947-70E740481C1C}">
+                <a14:useLocalDpi xmlns:a14="http://schemas.microsoft.com/office/drawing/2010/main"/>
+              </a:ext>
+            </a:extLst>
+          </a:blip>
+          <a:srcRect/>
+          <a:stretch>
+            <a:fillRect/>
+          </a:stretch>
+        </p:blipFill>
+        <p:spPr bwMode="auto">
+          <a:xfrm rot="-5400000">
+            <a:off x="3332284" y="2203694"/>
+            <a:ext cx="1835150" cy="1155700"/>
+          </a:xfrm>
+          <a:prstGeom prst="rect">
+            <a:avLst/>
+          </a:prstGeom>
+          <a:noFill/>
+          <a:extLst>
+            <a:ext uri="{909E8E84-426E-40DD-AFC4-6F175D3DCCD1}">
+              <a14:hiddenFill xmlns:a14="http://schemas.microsoft.com/office/drawing/2010/main">
+                <a:solidFill>
+                  <a:srgbClr val="FFFFFF"/>
+                </a:solidFill>
+              </a14:hiddenFill>
+            </a:ext>
+          </a:extLst>
+        </p:spPr>
+      </p:pic>
+      <p:pic>
+        <p:nvPicPr>
+          <p:cNvPr id="1027" name="Bild 18"/>
+          <p:cNvPicPr>
+            <a:picLocks noChangeAspect="1" noChangeArrowheads="1"/>
+          </p:cNvPicPr>
+          <p:nvPr/>
+        </p:nvPicPr>
+        <p:blipFill>
+          <a:blip r:embed="rId4">
+            <a:extLst>
+              <a:ext uri="{28A0092B-C50C-407E-A947-70E740481C1C}">
+                <a14:useLocalDpi xmlns:a14="http://schemas.microsoft.com/office/drawing/2010/main"/>
+              </a:ext>
+            </a:extLst>
+          </a:blip>
+          <a:srcRect/>
+          <a:stretch>
+            <a:fillRect/>
+          </a:stretch>
+        </p:blipFill>
+        <p:spPr bwMode="auto">
+          <a:xfrm rot="-5400000">
+            <a:off x="4970829" y="2235444"/>
+            <a:ext cx="1822450" cy="1079500"/>
+          </a:xfrm>
+          <a:prstGeom prst="rect">
+            <a:avLst/>
+          </a:prstGeom>
+          <a:noFill/>
+          <a:extLst>
+            <a:ext uri="{909E8E84-426E-40DD-AFC4-6F175D3DCCD1}">
+              <a14:hiddenFill xmlns:a14="http://schemas.microsoft.com/office/drawing/2010/main">
+                <a:solidFill>
+                  <a:srgbClr val="FFFFFF"/>
+                </a:solidFill>
+              </a14:hiddenFill>
+            </a:ext>
+          </a:extLst>
+        </p:spPr>
+      </p:pic>
+      <p:pic>
+        <p:nvPicPr>
+          <p:cNvPr id="1026" name="Bild 19"/>
+          <p:cNvPicPr>
+            <a:picLocks noChangeAspect="1" noChangeArrowheads="1"/>
+          </p:cNvPicPr>
+          <p:nvPr/>
+        </p:nvPicPr>
+        <p:blipFill>
+          <a:blip r:embed="rId5">
+            <a:extLst>
+              <a:ext uri="{28A0092B-C50C-407E-A947-70E740481C1C}">
+                <a14:useLocalDpi xmlns:a14="http://schemas.microsoft.com/office/drawing/2010/main"/>
+              </a:ext>
+            </a:extLst>
+          </a:blip>
+          <a:srcRect/>
+          <a:stretch>
+            <a:fillRect/>
+          </a:stretch>
+        </p:blipFill>
+        <p:spPr bwMode="auto">
+          <a:xfrm rot="-5400000">
+            <a:off x="1344001" y="4018084"/>
+            <a:ext cx="1682750" cy="1428750"/>
+          </a:xfrm>
+          <a:prstGeom prst="rect">
+            <a:avLst/>
+          </a:prstGeom>
+          <a:noFill/>
+          <a:extLst>
+            <a:ext uri="{909E8E84-426E-40DD-AFC4-6F175D3DCCD1}">
+              <a14:hiddenFill xmlns:a14="http://schemas.microsoft.com/office/drawing/2010/main">
+                <a:solidFill>
+                  <a:srgbClr val="FFFFFF"/>
+                </a:solidFill>
+              </a14:hiddenFill>
+            </a:ext>
+          </a:extLst>
+        </p:spPr>
+      </p:pic>
+      <p:pic>
+        <p:nvPicPr>
+          <p:cNvPr id="1025" name="Bild 20"/>
+          <p:cNvPicPr>
+            <a:picLocks noChangeAspect="1" noChangeArrowheads="1"/>
+          </p:cNvPicPr>
+          <p:nvPr/>
+        </p:nvPicPr>
+        <p:blipFill>
+          <a:blip r:embed="rId6">
+            <a:extLst>
+              <a:ext uri="{28A0092B-C50C-407E-A947-70E740481C1C}">
+                <a14:useLocalDpi xmlns:a14="http://schemas.microsoft.com/office/drawing/2010/main"/>
+              </a:ext>
+            </a:extLst>
+          </a:blip>
+          <a:srcRect/>
+          <a:stretch>
+            <a:fillRect/>
+          </a:stretch>
+        </p:blipFill>
+        <p:spPr bwMode="auto">
+          <a:xfrm rot="-5400000">
+            <a:off x="3402133" y="4030784"/>
+            <a:ext cx="1695450" cy="1403350"/>
+          </a:xfrm>
+          <a:prstGeom prst="rect">
+            <a:avLst/>
+          </a:prstGeom>
+          <a:noFill/>
+          <a:extLst>
+            <a:ext uri="{909E8E84-426E-40DD-AFC4-6F175D3DCCD1}">
+              <a14:hiddenFill xmlns:a14="http://schemas.microsoft.com/office/drawing/2010/main">
+                <a:solidFill>
+                  <a:srgbClr val="FFFFFF"/>
+                </a:solidFill>
+              </a14:hiddenFill>
+            </a:ext>
+          </a:extLst>
+        </p:spPr>
+      </p:pic>
+      <p:sp>
+        <p:nvSpPr>
+          <p:cNvPr id="4" name="Rectangle 6"/>
+          <p:cNvSpPr>
+            <a:spLocks noChangeArrowheads="1"/>
+          </p:cNvSpPr>
+          <p:nvPr/>
+        </p:nvSpPr>
+        <p:spPr bwMode="auto">
+          <a:xfrm>
+            <a:off x="0" y="0"/>
+            <a:ext cx="9144000" cy="457200"/>
+          </a:xfrm>
+          <a:prstGeom prst="rect">
+            <a:avLst/>
+          </a:prstGeom>
+          <a:noFill/>
+          <a:ln>
+            <a:noFill/>
+          </a:ln>
+          <a:effectLst/>
+          <a:extLst>
+            <a:ext uri="{909E8E84-426E-40DD-AFC4-6F175D3DCCD1}">
+              <a14:hiddenFill xmlns:a14="http://schemas.microsoft.com/office/drawing/2010/main">
+                <a:solidFill>
+                  <a:schemeClr val="accent1"/>
+                </a:solidFill>
+              </a14:hiddenFill>
+            </a:ext>
+            <a:ext uri="{91240B29-F687-4F45-9708-019B960494DF}">
+              <a14:hiddenLine xmlns:a14="http://schemas.microsoft.com/office/drawing/2010/main" w="9525">
+                <a:solidFill>
+                  <a:schemeClr val="tx1"/>
+                </a:solidFill>
+                <a:miter lim="800000"/>
+                <a:headEnd/>
+                <a:tailEnd/>
+              </a14:hiddenLine>
+            </a:ext>
+            <a:ext uri="{AF507438-7753-43E0-B8FC-AC1667EBCBE1}">
+              <a14:hiddenEffects xmlns:a14="http://schemas.microsoft.com/office/drawing/2010/main">
+                <a:effectLst>
+                  <a:outerShdw dist="35921" dir="2700000" algn="ctr" rotWithShape="0">
+                    <a:schemeClr val="bg2"/>
+                  </a:outerShdw>
+                </a:effectLst>
+              </a14:hiddenEffects>
+            </a:ext>
+          </a:extLst>
+        </p:spPr>
+        <p:txBody>
+          <a:bodyPr vert="horz" wrap="none" lIns="91440" tIns="45720" rIns="91440" bIns="45720" numCol="1" anchor="ctr" anchorCtr="0" compatLnSpc="1">
+            <a:prstTxWarp prst="textNoShape">
+              <a:avLst/>
+            </a:prstTxWarp>
+            <a:spAutoFit/>
+          </a:bodyPr>
+          <a:lstStyle/>
+          <a:p>
+            <a:endParaRPr lang="de-CH"/>
           </a:p>
         </p:txBody>
       </p:sp>
     </p:spTree>
     <p:extLst>
       <p:ext uri="{BB962C8B-B14F-4D97-AF65-F5344CB8AC3E}">
-        <p14:creationId xmlns:p14="http://schemas.microsoft.com/office/powerpoint/2010/main" val="1251349615"/>
+        <p14:creationId xmlns:p14="http://schemas.microsoft.com/office/powerpoint/2010/main" val="2772796197"/>
       </p:ext>
     </p:extLst>
   </p:cSld>
@@ -9229,17 +9942,83 @@
           <a:lstStyle/>
           <a:p>
             <a:r>
-              <a:rPr lang="de-CH" dirty="0" err="1" smtClean="0"/>
-              <a:t>Valitation</a:t>
+              <a:rPr lang="de-CH" dirty="0" smtClean="0"/>
+              <a:t>Prototype</a:t>
             </a:r>
             <a:endParaRPr lang="de-CH" dirty="0"/>
           </a:p>
         </p:txBody>
       </p:sp>
+      <p:pic>
+        <p:nvPicPr>
+          <p:cNvPr id="4" name="Grafik 3"/>
+          <p:cNvPicPr/>
+          <p:nvPr/>
+        </p:nvPicPr>
+        <p:blipFill>
+          <a:blip r:embed="rId2">
+            <a:extLst>
+              <a:ext uri="{28A0092B-C50C-407E-A947-70E740481C1C}">
+                <a14:useLocalDpi xmlns:a14="http://schemas.microsoft.com/office/drawing/2010/main"/>
+              </a:ext>
+            </a:extLst>
+          </a:blip>
+          <a:srcRect/>
+          <a:stretch>
+            <a:fillRect/>
+          </a:stretch>
+        </p:blipFill>
+        <p:spPr bwMode="auto">
+          <a:xfrm>
+            <a:off x="1786467" y="1596390"/>
+            <a:ext cx="2308860" cy="3657600"/>
+          </a:xfrm>
+          <a:prstGeom prst="rect">
+            <a:avLst/>
+          </a:prstGeom>
+          <a:noFill/>
+          <a:ln>
+            <a:noFill/>
+          </a:ln>
+        </p:spPr>
+      </p:pic>
+      <p:pic>
+        <p:nvPicPr>
+          <p:cNvPr id="5" name="Grafik 4"/>
+          <p:cNvPicPr/>
+          <p:nvPr/>
+        </p:nvPicPr>
+        <p:blipFill>
+          <a:blip r:embed="rId3">
+            <a:extLst>
+              <a:ext uri="{28A0092B-C50C-407E-A947-70E740481C1C}">
+                <a14:useLocalDpi xmlns:a14="http://schemas.microsoft.com/office/drawing/2010/main"/>
+              </a:ext>
+            </a:extLst>
+          </a:blip>
+          <a:srcRect/>
+          <a:stretch>
+            <a:fillRect/>
+          </a:stretch>
+        </p:blipFill>
+        <p:spPr bwMode="auto">
+          <a:xfrm>
+            <a:off x="5207098" y="1588770"/>
+            <a:ext cx="2369820" cy="3665220"/>
+          </a:xfrm>
+          <a:prstGeom prst="rect">
+            <a:avLst/>
+          </a:prstGeom>
+          <a:noFill/>
+          <a:ln>
+            <a:noFill/>
+          </a:ln>
+        </p:spPr>
+      </p:pic>
     </p:spTree>
     <p:extLst>
       <p:ext uri="{BB962C8B-B14F-4D97-AF65-F5344CB8AC3E}">
-        <p14:creationId xmlns:p14="http://schemas.microsoft.com/office/powerpoint/2010/main" val="605634403"/>
+        <p14:creationId xmlns:p14="http://schemas.microsoft.com/office/powerpoint/2010/main" val="1251349615"/>
       </p:ext>
     </p:extLst>
   </p:cSld>

--- a/doc/Task03/Task3.pptx
+++ b/doc/Task03/Task3.pptx
@@ -153,7 +153,7 @@
   </p:defaultTextStyle>
   <p:extLst>
     <p:ext uri="{EFAFB233-063F-42B5-8137-9DF3F51BA10A}">
-      <p15:sldGuideLst xmlns="" xmlns:p15="http://schemas.microsoft.com/office/powerpoint/2012/main">
+      <p15:sldGuideLst xmlns:p15="http://schemas.microsoft.com/office/powerpoint/2012/main" xmlns="">
         <p15:guide id="1" orient="horz" pos="2160">
           <p15:clr>
             <a:srgbClr val="A4A3A4"/>
@@ -167,7 +167,7 @@
       </p15:sldGuideLst>
     </p:ext>
     <p:ext uri="{2D200454-40CA-4A62-9FC3-DE9A4176ACB9}">
-      <p15:notesGuideLst xmlns="" xmlns:p15="http://schemas.microsoft.com/office/powerpoint/2012/main">
+      <p15:notesGuideLst xmlns:p15="http://schemas.microsoft.com/office/powerpoint/2012/main" xmlns="">
         <p15:guide id="1" orient="horz" pos="3127">
           <p15:clr>
             <a:srgbClr val="A4A3A4"/>
@@ -7451,6 +7451,211 @@
           </a:extLst>
         </p:spPr>
       </p:pic>
+      <p:pic>
+        <p:nvPicPr>
+          <p:cNvPr id="5" name="Grafik 4"/>
+          <p:cNvPicPr/>
+          <p:nvPr/>
+        </p:nvPicPr>
+        <p:blipFill>
+          <a:blip r:embed="rId3">
+            <a:extLst>
+              <a:ext uri="{28A0092B-C50C-407E-A947-70E740481C1C}">
+                <a14:useLocalDpi xmlns:a14="http://schemas.microsoft.com/office/drawing/2010/main" val="0"/>
+              </a:ext>
+            </a:extLst>
+          </a:blip>
+          <a:srcRect/>
+          <a:stretch>
+            <a:fillRect/>
+          </a:stretch>
+        </p:blipFill>
+        <p:spPr bwMode="auto">
+          <a:xfrm>
+            <a:off x="1786467" y="1878330"/>
+            <a:ext cx="1949450" cy="3101340"/>
+          </a:xfrm>
+          <a:prstGeom prst="rect">
+            <a:avLst/>
+          </a:prstGeom>
+          <a:noFill/>
+          <a:ln>
+            <a:noFill/>
+          </a:ln>
+        </p:spPr>
+      </p:pic>
+      <p:pic>
+        <p:nvPicPr>
+          <p:cNvPr id="6" name="Grafik 5"/>
+          <p:cNvPicPr/>
+          <p:nvPr/>
+        </p:nvPicPr>
+        <p:blipFill rotWithShape="1">
+          <a:blip r:embed="rId4">
+            <a:extLst>
+              <a:ext uri="{28A0092B-C50C-407E-A947-70E740481C1C}">
+                <a14:useLocalDpi xmlns:a14="http://schemas.microsoft.com/office/drawing/2010/main" val="0"/>
+              </a:ext>
+            </a:extLst>
+          </a:blip>
+          <a:srcRect b="-9280"/>
+          <a:stretch/>
+        </p:blipFill>
+        <p:spPr bwMode="auto">
+          <a:xfrm>
+            <a:off x="5297478" y="1878330"/>
+            <a:ext cx="1947545" cy="3535680"/>
+          </a:xfrm>
+          <a:prstGeom prst="rect">
+            <a:avLst/>
+          </a:prstGeom>
+          <a:noFill/>
+          <a:ln>
+            <a:noFill/>
+          </a:ln>
+          <a:extLst>
+            <a:ext uri="{53640926-AAD7-44D8-BBD7-CCE9431645EC}">
+              <a14:shadowObscured xmlns:a14="http://schemas.microsoft.com/office/drawing/2010/main"/>
+            </a:ext>
+          </a:extLst>
+        </p:spPr>
+      </p:pic>
+      <p:sp>
+        <p:nvSpPr>
+          <p:cNvPr id="4" name="Rectangle 2"/>
+          <p:cNvSpPr>
+            <a:spLocks noChangeArrowheads="1"/>
+          </p:cNvSpPr>
+          <p:nvPr/>
+        </p:nvSpPr>
+        <p:spPr bwMode="auto">
+          <a:xfrm>
+            <a:off x="1702164" y="4600575"/>
+            <a:ext cx="2035175" cy="465138"/>
+          </a:xfrm>
+          <a:prstGeom prst="rect">
+            <a:avLst/>
+          </a:prstGeom>
+          <a:noFill/>
+          <a:ln w="25400">
+            <a:solidFill>
+              <a:srgbClr val="FF0000"/>
+            </a:solidFill>
+            <a:miter lim="800000"/>
+            <a:headEnd/>
+            <a:tailEnd/>
+          </a:ln>
+          <a:extLst>
+            <a:ext uri="{909E8E84-426E-40DD-AFC4-6F175D3DCCD1}">
+              <a14:hiddenFill xmlns:a14="http://schemas.microsoft.com/office/drawing/2010/main">
+                <a:solidFill>
+                  <a:srgbClr val="FFFFFF"/>
+                </a:solidFill>
+              </a14:hiddenFill>
+            </a:ext>
+          </a:extLst>
+        </p:spPr>
+        <p:txBody>
+          <a:bodyPr vert="horz" wrap="square" lIns="91440" tIns="45720" rIns="91440" bIns="45720" numCol="1" anchor="t" anchorCtr="0" compatLnSpc="1">
+            <a:prstTxWarp prst="textNoShape">
+              <a:avLst/>
+            </a:prstTxWarp>
+          </a:bodyPr>
+          <a:lstStyle/>
+          <a:p>
+            <a:endParaRPr lang="de-CH"/>
+          </a:p>
+        </p:txBody>
+      </p:sp>
+      <p:sp>
+        <p:nvSpPr>
+          <p:cNvPr id="7" name="Textfeld 2"/>
+          <p:cNvSpPr txBox="1">
+            <a:spLocks noChangeArrowheads="1"/>
+          </p:cNvSpPr>
+          <p:nvPr/>
+        </p:nvSpPr>
+        <p:spPr bwMode="auto">
+          <a:xfrm>
+            <a:off x="1748202" y="4708525"/>
+            <a:ext cx="1577975" cy="387350"/>
+          </a:xfrm>
+          <a:prstGeom prst="rect">
+            <a:avLst/>
+          </a:prstGeom>
+          <a:noFill/>
+          <a:ln w="9525">
+            <a:solidFill>
+              <a:srgbClr val="000000">
+                <a:alpha val="0"/>
+              </a:srgbClr>
+            </a:solidFill>
+            <a:miter lim="800000"/>
+            <a:headEnd/>
+            <a:tailEnd/>
+          </a:ln>
+          <a:extLst>
+            <a:ext uri="{909E8E84-426E-40DD-AFC4-6F175D3DCCD1}">
+              <a14:hiddenFill xmlns:a14="http://schemas.microsoft.com/office/drawing/2010/main">
+                <a:solidFill>
+                  <a:srgbClr val="FFFFFF"/>
+                </a:solidFill>
+              </a14:hiddenFill>
+            </a:ext>
+          </a:extLst>
+        </p:spPr>
+        <p:txBody>
+          <a:bodyPr vert="horz" wrap="square" lIns="91440" tIns="45720" rIns="91440" bIns="45720" numCol="1" anchor="t" anchorCtr="0" compatLnSpc="1">
+            <a:prstTxWarp prst="textNoShape">
+              <a:avLst/>
+            </a:prstTxWarp>
+          </a:bodyPr>
+          <a:lstStyle/>
+          <a:p>
+            <a:pPr marL="0" marR="0" lvl="0" indent="0" algn="l" defTabSz="914400" rtl="0" eaLnBrk="1" fontAlgn="base" latinLnBrk="0" hangingPunct="1">
+              <a:lnSpc>
+                <a:spcPct val="100000"/>
+              </a:lnSpc>
+              <a:spcBef>
+                <a:spcPct val="0"/>
+              </a:spcBef>
+              <a:spcAft>
+                <a:spcPts val="1000"/>
+              </a:spcAft>
+              <a:buClrTx/>
+              <a:buSzTx/>
+              <a:buFontTx/>
+              <a:buNone/>
+              <a:tabLst/>
+            </a:pPr>
+            <a:r>
+              <a:rPr kumimoji="0" lang="de-CH" altLang="en-US" sz="1100" b="0" i="0" u="none" strike="noStrike" cap="none" normalizeH="0" baseline="0" smtClean="0">
+                <a:ln>
+                  <a:noFill/>
+                </a:ln>
+                <a:solidFill>
+                  <a:schemeClr val="tx1"/>
+                </a:solidFill>
+                <a:effectLst/>
+                <a:latin typeface="Calibri" pitchFamily="34" charset="0"/>
+                <a:cs typeface="Arial" pitchFamily="34" charset="0"/>
+              </a:rPr>
+              <a:t>+ Neuer Patient</a:t>
+            </a:r>
+            <a:endParaRPr kumimoji="0" lang="en-US" altLang="en-US" sz="1800" b="0" i="0" u="none" strike="noStrike" cap="none" normalizeH="0" baseline="0" smtClean="0">
+              <a:ln>
+                <a:noFill/>
+              </a:ln>
+              <a:solidFill>
+                <a:schemeClr val="tx1"/>
+              </a:solidFill>
+              <a:effectLst/>
+              <a:latin typeface="Arial" pitchFamily="34" charset="0"/>
+              <a:cs typeface="Arial" pitchFamily="34" charset="0"/>
+            </a:endParaRPr>
+          </a:p>
+        </p:txBody>
+      </p:sp>
     </p:spTree>
     <p:extLst>
       <p:ext uri="{BB962C8B-B14F-4D97-AF65-F5344CB8AC3E}">
@@ -10866,23 +11071,6 @@
 </file>
 
 <file path=customXml/item1.xml><?xml version="1.0" encoding="utf-8"?>
-<?mso-contentType ?>
-<FormTemplates xmlns="http://schemas.microsoft.com/sharepoint/v3/contenttype/forms">
-  <Display>DocumentLibraryForm</Display>
-  <Edit>DocumentLibraryForm</Edit>
-  <New>DocumentLibraryForm</New>
-</FormTemplates>
-</file>
-
-<file path=customXml/item2.xml><?xml version="1.0" encoding="utf-8"?>
-<p:properties xmlns:p="http://schemas.microsoft.com/office/2006/metadata/properties" xmlns:xsi="http://www.w3.org/2001/XMLSchema-instance">
-  <documentManagement>
-    <AVMTitle xmlns="5091c847-84be-4f4f-b16c-c018ad2ca66b">Präsentation BFH_2013</AVMTitle>
-  </documentManagement>
-</p:properties>
-</file>
-
-<file path=customXml/item3.xml><?xml version="1.0" encoding="utf-8"?>
 <ct:contentTypeSchema xmlns:ct="http://schemas.microsoft.com/office/2006/metadata/contentType" xmlns:ma="http://schemas.microsoft.com/office/2006/metadata/properties/metaAttributes" ct:_="" ma:_="" ma:contentTypeName="Dokument" ma:contentTypeID="0x010100EBE3A9EFF36793468C03E2811ACE2A2B" ma:contentTypeVersion="1" ma:contentTypeDescription="Ein neues Dokument erstellen." ma:contentTypeScope="" ma:versionID="e65be32cb1bfff77fc8c9c09bf542651">
   <xsd:schema xmlns:xsd="http://www.w3.org/2001/XMLSchema" xmlns:p="http://schemas.microsoft.com/office/2006/metadata/properties" xmlns:ns2="5091c847-84be-4f4f-b16c-c018ad2ca66b" targetNamespace="http://schemas.microsoft.com/office/2006/metadata/properties" ma:root="true" ma:fieldsID="7636c84aed5b7d09a166fcef888725d4" ns2:_="">
     <xsd:import namespace="5091c847-84be-4f4f-b16c-c018ad2ca66b"/>
@@ -10942,10 +11130,36 @@
 </ct:contentTypeSchema>
 </file>
 
+<file path=customXml/item2.xml><?xml version="1.0" encoding="utf-8"?>
+<p:properties xmlns:p="http://schemas.microsoft.com/office/2006/metadata/properties" xmlns:xsi="http://www.w3.org/2001/XMLSchema-instance">
+  <documentManagement>
+    <AVMTitle xmlns="5091c847-84be-4f4f-b16c-c018ad2ca66b">Präsentation BFH_2013</AVMTitle>
+  </documentManagement>
+</p:properties>
+</file>
+
+<file path=customXml/item3.xml><?xml version="1.0" encoding="utf-8"?>
+<?mso-contentType ?>
+<FormTemplates xmlns="http://schemas.microsoft.com/sharepoint/v3/contenttype/forms">
+  <Display>DocumentLibraryForm</Display>
+  <Edit>DocumentLibraryForm</Edit>
+  <New>DocumentLibraryForm</New>
+</FormTemplates>
+</file>
+
 <file path=customXml/itemProps1.xml><?xml version="1.0" encoding="utf-8"?>
-<ds:datastoreItem xmlns:ds="http://schemas.openxmlformats.org/officeDocument/2006/customXml" ds:itemID="{1851D33F-E468-417B-A30C-509B68D2BD09}">
+<ds:datastoreItem xmlns:ds="http://schemas.openxmlformats.org/officeDocument/2006/customXml" ds:itemID="{15287BEA-F3FF-4B87-929B-5D0092183197}">
   <ds:schemaRefs>
-    <ds:schemaRef ds:uri="http://schemas.microsoft.com/sharepoint/v3/contenttype/forms"/>
+    <ds:schemaRef ds:uri="http://schemas.microsoft.com/office/2006/metadata/contentType"/>
+    <ds:schemaRef ds:uri="http://schemas.microsoft.com/office/2006/metadata/properties/metaAttributes"/>
+    <ds:schemaRef ds:uri="http://www.w3.org/2001/XMLSchema"/>
+    <ds:schemaRef ds:uri="http://schemas.microsoft.com/office/2006/metadata/properties"/>
+    <ds:schemaRef ds:uri="5091c847-84be-4f4f-b16c-c018ad2ca66b"/>
+    <ds:schemaRef ds:uri="http://schemas.microsoft.com/office/2006/documentManagement/types"/>
+    <ds:schemaRef ds:uri="http://schemas.openxmlformats.org/package/2006/metadata/core-properties"/>
+    <ds:schemaRef ds:uri="http://purl.org/dc/elements/1.1/"/>
+    <ds:schemaRef ds:uri="http://purl.org/dc/terms/"/>
+    <ds:schemaRef ds:uri="http://schemas.microsoft.com/office/internal/2005/internalDocumentation"/>
   </ds:schemaRefs>
 </ds:datastoreItem>
 </file>
@@ -10966,18 +11180,9 @@
 </file>
 
 <file path=customXml/itemProps3.xml><?xml version="1.0" encoding="utf-8"?>
-<ds:datastoreItem xmlns:ds="http://schemas.openxmlformats.org/officeDocument/2006/customXml" ds:itemID="{15287BEA-F3FF-4B87-929B-5D0092183197}">
+<ds:datastoreItem xmlns:ds="http://schemas.openxmlformats.org/officeDocument/2006/customXml" ds:itemID="{1851D33F-E468-417B-A30C-509B68D2BD09}">
   <ds:schemaRefs>
-    <ds:schemaRef ds:uri="http://schemas.microsoft.com/office/2006/metadata/contentType"/>
-    <ds:schemaRef ds:uri="http://schemas.microsoft.com/office/2006/metadata/properties/metaAttributes"/>
-    <ds:schemaRef ds:uri="http://www.w3.org/2001/XMLSchema"/>
-    <ds:schemaRef ds:uri="http://schemas.microsoft.com/office/2006/metadata/properties"/>
-    <ds:schemaRef ds:uri="5091c847-84be-4f4f-b16c-c018ad2ca66b"/>
-    <ds:schemaRef ds:uri="http://schemas.microsoft.com/office/2006/documentManagement/types"/>
-    <ds:schemaRef ds:uri="http://schemas.openxmlformats.org/package/2006/metadata/core-properties"/>
-    <ds:schemaRef ds:uri="http://purl.org/dc/elements/1.1/"/>
-    <ds:schemaRef ds:uri="http://purl.org/dc/terms/"/>
-    <ds:schemaRef ds:uri="http://schemas.microsoft.com/office/internal/2005/internalDocumentation"/>
+    <ds:schemaRef ds:uri="http://schemas.microsoft.com/sharepoint/v3/contenttype/forms"/>
   </ds:schemaRefs>
 </ds:datastoreItem>
 </file>
--- a/doc/Task03/Task3.pptx
+++ b/doc/Task03/Task3.pptx
@@ -153,7 +153,7 @@
   </p:defaultTextStyle>
   <p:extLst>
     <p:ext uri="{EFAFB233-063F-42B5-8137-9DF3F51BA10A}">
-      <p15:sldGuideLst xmlns:p15="http://schemas.microsoft.com/office/powerpoint/2012/main" xmlns="">
+      <p15:sldGuideLst xmlns="" xmlns:p15="http://schemas.microsoft.com/office/powerpoint/2012/main">
         <p15:guide id="1" orient="horz" pos="2160">
           <p15:clr>
             <a:srgbClr val="A4A3A4"/>
@@ -167,7 +167,7 @@
       </p15:sldGuideLst>
     </p:ext>
     <p:ext uri="{2D200454-40CA-4A62-9FC3-DE9A4176ACB9}">
-      <p15:notesGuideLst xmlns:p15="http://schemas.microsoft.com/office/powerpoint/2012/main" xmlns="">
+      <p15:notesGuideLst xmlns="" xmlns:p15="http://schemas.microsoft.com/office/powerpoint/2012/main">
         <p15:guide id="1" orient="horz" pos="3127">
           <p15:clr>
             <a:srgbClr val="A4A3A4"/>
@@ -8935,6 +8935,69 @@
           <a:bodyPr/>
           <a:lstStyle/>
           <a:p>
+            <a:r>
+              <a:rPr lang="de-CH" dirty="0"/>
+              <a:t>Franziska </a:t>
+            </a:r>
+            <a:endParaRPr lang="de-CH" dirty="0" smtClean="0"/>
+          </a:p>
+          <a:p>
+            <a:pPr lvl="1"/>
+            <a:r>
+              <a:rPr lang="de-CH" dirty="0"/>
+              <a:t>Sozialarbeiterin im Spital </a:t>
+            </a:r>
+            <a:r>
+              <a:rPr lang="de-CH" dirty="0" smtClean="0"/>
+              <a:t>Biel</a:t>
+            </a:r>
+          </a:p>
+          <a:p>
+            <a:pPr lvl="1"/>
+            <a:r>
+              <a:rPr lang="de-CH" dirty="0"/>
+              <a:t>R</a:t>
+            </a:r>
+            <a:r>
+              <a:rPr lang="de-CH" dirty="0" smtClean="0"/>
+              <a:t>echt </a:t>
+            </a:r>
+            <a:r>
+              <a:rPr lang="de-CH" dirty="0"/>
+              <a:t>chaotisch und vergisst oft </a:t>
+            </a:r>
+            <a:r>
+              <a:rPr lang="de-CH" dirty="0" smtClean="0"/>
+              <a:t>Termine</a:t>
+            </a:r>
+          </a:p>
+          <a:p>
+            <a:endParaRPr lang="de-CH" dirty="0"/>
+          </a:p>
+          <a:p>
+            <a:r>
+              <a:rPr lang="de-CH" dirty="0" smtClean="0"/>
+              <a:t>Paul</a:t>
+            </a:r>
+          </a:p>
+          <a:p>
+            <a:pPr lvl="1"/>
+            <a:r>
+              <a:rPr lang="de-CH" dirty="0"/>
+              <a:t>Psychologiestudium </a:t>
+            </a:r>
+            <a:endParaRPr lang="de-CH" dirty="0" smtClean="0"/>
+          </a:p>
+          <a:p>
+            <a:pPr lvl="1"/>
+            <a:r>
+              <a:rPr lang="de-CH" dirty="0" smtClean="0"/>
+              <a:t>Notizen </a:t>
+            </a:r>
+            <a:r>
+              <a:rPr lang="de-CH" smtClean="0"/>
+              <a:t>zu Patienten</a:t>
+            </a:r>
             <a:endParaRPr lang="de-CH" dirty="0"/>
           </a:p>
         </p:txBody>
@@ -11071,6 +11134,23 @@
 </file>
 
 <file path=customXml/item1.xml><?xml version="1.0" encoding="utf-8"?>
+<?mso-contentType ?>
+<FormTemplates xmlns="http://schemas.microsoft.com/sharepoint/v3/contenttype/forms">
+  <Display>DocumentLibraryForm</Display>
+  <Edit>DocumentLibraryForm</Edit>
+  <New>DocumentLibraryForm</New>
+</FormTemplates>
+</file>
+
+<file path=customXml/item2.xml><?xml version="1.0" encoding="utf-8"?>
+<p:properties xmlns:p="http://schemas.microsoft.com/office/2006/metadata/properties" xmlns:xsi="http://www.w3.org/2001/XMLSchema-instance">
+  <documentManagement>
+    <AVMTitle xmlns="5091c847-84be-4f4f-b16c-c018ad2ca66b">Präsentation BFH_2013</AVMTitle>
+  </documentManagement>
+</p:properties>
+</file>
+
+<file path=customXml/item3.xml><?xml version="1.0" encoding="utf-8"?>
 <ct:contentTypeSchema xmlns:ct="http://schemas.microsoft.com/office/2006/metadata/contentType" xmlns:ma="http://schemas.microsoft.com/office/2006/metadata/properties/metaAttributes" ct:_="" ma:_="" ma:contentTypeName="Dokument" ma:contentTypeID="0x010100EBE3A9EFF36793468C03E2811ACE2A2B" ma:contentTypeVersion="1" ma:contentTypeDescription="Ein neues Dokument erstellen." ma:contentTypeScope="" ma:versionID="e65be32cb1bfff77fc8c9c09bf542651">
   <xsd:schema xmlns:xsd="http://www.w3.org/2001/XMLSchema" xmlns:p="http://schemas.microsoft.com/office/2006/metadata/properties" xmlns:ns2="5091c847-84be-4f4f-b16c-c018ad2ca66b" targetNamespace="http://schemas.microsoft.com/office/2006/metadata/properties" ma:root="true" ma:fieldsID="7636c84aed5b7d09a166fcef888725d4" ns2:_="">
     <xsd:import namespace="5091c847-84be-4f4f-b16c-c018ad2ca66b"/>
@@ -11130,36 +11210,10 @@
 </ct:contentTypeSchema>
 </file>
 
-<file path=customXml/item2.xml><?xml version="1.0" encoding="utf-8"?>
-<p:properties xmlns:p="http://schemas.microsoft.com/office/2006/metadata/properties" xmlns:xsi="http://www.w3.org/2001/XMLSchema-instance">
-  <documentManagement>
-    <AVMTitle xmlns="5091c847-84be-4f4f-b16c-c018ad2ca66b">Präsentation BFH_2013</AVMTitle>
-  </documentManagement>
-</p:properties>
-</file>
-
-<file path=customXml/item3.xml><?xml version="1.0" encoding="utf-8"?>
-<?mso-contentType ?>
-<FormTemplates xmlns="http://schemas.microsoft.com/sharepoint/v3/contenttype/forms">
-  <Display>DocumentLibraryForm</Display>
-  <Edit>DocumentLibraryForm</Edit>
-  <New>DocumentLibraryForm</New>
-</FormTemplates>
-</file>
-
 <file path=customXml/itemProps1.xml><?xml version="1.0" encoding="utf-8"?>
-<ds:datastoreItem xmlns:ds="http://schemas.openxmlformats.org/officeDocument/2006/customXml" ds:itemID="{15287BEA-F3FF-4B87-929B-5D0092183197}">
+<ds:datastoreItem xmlns:ds="http://schemas.openxmlformats.org/officeDocument/2006/customXml" ds:itemID="{1851D33F-E468-417B-A30C-509B68D2BD09}">
   <ds:schemaRefs>
-    <ds:schemaRef ds:uri="http://schemas.microsoft.com/office/2006/metadata/contentType"/>
-    <ds:schemaRef ds:uri="http://schemas.microsoft.com/office/2006/metadata/properties/metaAttributes"/>
-    <ds:schemaRef ds:uri="http://www.w3.org/2001/XMLSchema"/>
-    <ds:schemaRef ds:uri="http://schemas.microsoft.com/office/2006/metadata/properties"/>
-    <ds:schemaRef ds:uri="5091c847-84be-4f4f-b16c-c018ad2ca66b"/>
-    <ds:schemaRef ds:uri="http://schemas.microsoft.com/office/2006/documentManagement/types"/>
-    <ds:schemaRef ds:uri="http://schemas.openxmlformats.org/package/2006/metadata/core-properties"/>
-    <ds:schemaRef ds:uri="http://purl.org/dc/elements/1.1/"/>
-    <ds:schemaRef ds:uri="http://purl.org/dc/terms/"/>
-    <ds:schemaRef ds:uri="http://schemas.microsoft.com/office/internal/2005/internalDocumentation"/>
+    <ds:schemaRef ds:uri="http://schemas.microsoft.com/sharepoint/v3/contenttype/forms"/>
   </ds:schemaRefs>
 </ds:datastoreItem>
 </file>
@@ -11180,9 +11234,18 @@
 </file>
 
 <file path=customXml/itemProps3.xml><?xml version="1.0" encoding="utf-8"?>
-<ds:datastoreItem xmlns:ds="http://schemas.openxmlformats.org/officeDocument/2006/customXml" ds:itemID="{1851D33F-E468-417B-A30C-509B68D2BD09}">
+<ds:datastoreItem xmlns:ds="http://schemas.openxmlformats.org/officeDocument/2006/customXml" ds:itemID="{15287BEA-F3FF-4B87-929B-5D0092183197}">
   <ds:schemaRefs>
-    <ds:schemaRef ds:uri="http://schemas.microsoft.com/sharepoint/v3/contenttype/forms"/>
+    <ds:schemaRef ds:uri="http://schemas.microsoft.com/office/2006/metadata/contentType"/>
+    <ds:schemaRef ds:uri="http://schemas.microsoft.com/office/2006/metadata/properties/metaAttributes"/>
+    <ds:schemaRef ds:uri="http://www.w3.org/2001/XMLSchema"/>
+    <ds:schemaRef ds:uri="http://schemas.microsoft.com/office/2006/metadata/properties"/>
+    <ds:schemaRef ds:uri="5091c847-84be-4f4f-b16c-c018ad2ca66b"/>
+    <ds:schemaRef ds:uri="http://schemas.microsoft.com/office/2006/documentManagement/types"/>
+    <ds:schemaRef ds:uri="http://schemas.openxmlformats.org/package/2006/metadata/core-properties"/>
+    <ds:schemaRef ds:uri="http://purl.org/dc/elements/1.1/"/>
+    <ds:schemaRef ds:uri="http://purl.org/dc/terms/"/>
+    <ds:schemaRef ds:uri="http://schemas.microsoft.com/office/internal/2005/internalDocumentation"/>
   </ds:schemaRefs>
 </ds:datastoreItem>
 </file>
--- a/doc/Task03/Task3.pptx
+++ b/doc/Task03/Task3.pptx
@@ -153,7 +153,7 @@
   </p:defaultTextStyle>
   <p:extLst>
     <p:ext uri="{EFAFB233-063F-42B5-8137-9DF3F51BA10A}">
-      <p15:sldGuideLst xmlns="" xmlns:p15="http://schemas.microsoft.com/office/powerpoint/2012/main">
+      <p15:sldGuideLst xmlns:p15="http://schemas.microsoft.com/office/powerpoint/2012/main" xmlns="">
         <p15:guide id="1" orient="horz" pos="2160">
           <p15:clr>
             <a:srgbClr val="A4A3A4"/>
@@ -167,7 +167,7 @@
       </p15:sldGuideLst>
     </p:ext>
     <p:ext uri="{2D200454-40CA-4A62-9FC3-DE9A4176ACB9}">
-      <p15:notesGuideLst xmlns="" xmlns:p15="http://schemas.microsoft.com/office/powerpoint/2012/main">
+      <p15:notesGuideLst xmlns:p15="http://schemas.microsoft.com/office/powerpoint/2012/main" xmlns="">
         <p15:guide id="1" orient="horz" pos="3127">
           <p15:clr>
             <a:srgbClr val="A4A3A4"/>
@@ -266,7 +266,7 @@
           <a:p>
             <a:fld id="{EFA0D184-D464-48E9-9CA0-A94E873F6C2C}" type="datetimeFigureOut">
               <a:rPr lang="de-CH" smtClean="0"/>
-              <a:t>14.10.2015</a:t>
+              <a:t>15.10.2015</a:t>
             </a:fld>
             <a:endParaRPr lang="de-CH"/>
           </a:p>
@@ -431,7 +431,7 @@
           <a:p>
             <a:fld id="{5AF2B663-2BA9-4D7E-8201-5DE4109E1EDD}" type="datetimeFigureOut">
               <a:rPr lang="de-CH" smtClean="0"/>
-              <a:t>14.10.2015</a:t>
+              <a:t>15.10.2015</a:t>
             </a:fld>
             <a:endParaRPr lang="de-CH"/>
           </a:p>
@@ -890,6 +890,127 @@
     <p:extLst>
       <p:ext uri="{BB962C8B-B14F-4D97-AF65-F5344CB8AC3E}">
         <p14:creationId xmlns:p14="http://schemas.microsoft.com/office/powerpoint/2010/main" val="228579083"/>
+      </p:ext>
+    </p:extLst>
+  </p:cSld>
+  <p:clrMapOvr>
+    <a:masterClrMapping/>
+  </p:clrMapOvr>
+</p:notes>
+</file>
+
+<file path=ppt/notesSlides/notesSlide3.xml><?xml version="1.0" encoding="utf-8"?>
+<p:notes xmlns:a="http://schemas.openxmlformats.org/drawingml/2006/main" xmlns:r="http://schemas.openxmlformats.org/officeDocument/2006/relationships" xmlns:p="http://schemas.openxmlformats.org/presentationml/2006/main">
+  <p:cSld>
+    <p:spTree>
+      <p:nvGrpSpPr>
+        <p:cNvPr id="1" name=""/>
+        <p:cNvGrpSpPr/>
+        <p:nvPr/>
+      </p:nvGrpSpPr>
+      <p:grpSpPr>
+        <a:xfrm>
+          <a:off x="0" y="0"/>
+          <a:ext cx="0" cy="0"/>
+          <a:chOff x="0" y="0"/>
+          <a:chExt cx="0" cy="0"/>
+        </a:xfrm>
+      </p:grpSpPr>
+      <p:sp>
+        <p:nvSpPr>
+          <p:cNvPr id="2" name="Folienbildplatzhalter 1"/>
+          <p:cNvSpPr>
+            <a:spLocks noGrp="1" noRot="1" noChangeAspect="1"/>
+          </p:cNvSpPr>
+          <p:nvPr>
+            <p:ph type="sldImg"/>
+          </p:nvPr>
+        </p:nvSpPr>
+        <p:spPr/>
+      </p:sp>
+      <p:sp>
+        <p:nvSpPr>
+          <p:cNvPr id="3" name="Notizenplatzhalter 2"/>
+          <p:cNvSpPr>
+            <a:spLocks noGrp="1"/>
+          </p:cNvSpPr>
+          <p:nvPr>
+            <p:ph type="body" idx="1"/>
+          </p:nvPr>
+        </p:nvSpPr>
+        <p:spPr/>
+        <p:txBody>
+          <a:bodyPr/>
+          <a:lstStyle/>
+          <a:p>
+            <a:r>
+              <a:rPr lang="de-CH" sz="1200" kern="1200" dirty="0" smtClean="0">
+                <a:solidFill>
+                  <a:schemeClr val="tx1"/>
+                </a:solidFill>
+                <a:effectLst/>
+                <a:latin typeface="+mn-lt"/>
+                <a:ea typeface="+mn-ea"/>
+                <a:cs typeface="+mn-cs"/>
+              </a:rPr>
+              <a:t>Der Patient meldet sich per Telefon beim Sozialarbeiter. Der Sozialarbeiter muss zuerst die Patientendaten erfassen. Danach kann er mit dem neuen Patienten einen Termin vereinbaren. Nachdem die Daten gespeichert wurden, wird eine Bestätigung an den Patienten geschickt.</a:t>
+            </a:r>
+          </a:p>
+          <a:p>
+            <a:endParaRPr lang="de-CH" sz="1200" kern="1200" dirty="0" smtClean="0">
+              <a:solidFill>
+                <a:schemeClr val="tx1"/>
+              </a:solidFill>
+              <a:effectLst/>
+              <a:latin typeface="+mn-lt"/>
+              <a:ea typeface="+mn-ea"/>
+              <a:cs typeface="+mn-cs"/>
+            </a:endParaRPr>
+          </a:p>
+          <a:p>
+            <a:r>
+              <a:rPr lang="de-CH" sz="1200" kern="1200" dirty="0" smtClean="0">
+                <a:solidFill>
+                  <a:schemeClr val="tx1"/>
+                </a:solidFill>
+                <a:effectLst/>
+                <a:latin typeface="+mn-lt"/>
+                <a:ea typeface="+mn-ea"/>
+                <a:cs typeface="+mn-cs"/>
+              </a:rPr>
+              <a:t>Der Patient meldet sich per Telefon beim Sozialarbeiter. Der Sozialarbeiter kann nun mit dem Patienten einen Termin vereinbaren. Dazu wählt er einen Patienten aus der Datenbank aus. Nachdem die Daten gespeichert wurden, wird eine Bestätigung an den Patienten geschickt. </a:t>
+            </a:r>
+            <a:endParaRPr lang="de-CH" dirty="0"/>
+          </a:p>
+        </p:txBody>
+      </p:sp>
+      <p:sp>
+        <p:nvSpPr>
+          <p:cNvPr id="4" name="Foliennummernplatzhalter 3"/>
+          <p:cNvSpPr>
+            <a:spLocks noGrp="1"/>
+          </p:cNvSpPr>
+          <p:nvPr>
+            <p:ph type="sldNum" sz="quarter" idx="10"/>
+          </p:nvPr>
+        </p:nvSpPr>
+        <p:spPr/>
+        <p:txBody>
+          <a:bodyPr/>
+          <a:lstStyle/>
+          <a:p>
+            <a:fld id="{37E44704-8E6D-4CF2-8CFA-A0F7BC751896}" type="slidenum">
+              <a:rPr lang="de-CH" smtClean="0"/>
+              <a:t>7</a:t>
+            </a:fld>
+            <a:endParaRPr lang="de-CH"/>
+          </a:p>
+        </p:txBody>
+      </p:sp>
+    </p:spTree>
+    <p:extLst>
+      <p:ext uri="{BB962C8B-B14F-4D97-AF65-F5344CB8AC3E}">
+        <p14:creationId xmlns:p14="http://schemas.microsoft.com/office/powerpoint/2010/main" val="4200060687"/>
       </p:ext>
     </p:extLst>
   </p:cSld>
@@ -7433,8 +7554,8 @@
         </p:blipFill>
         <p:spPr bwMode="auto">
           <a:xfrm>
-            <a:off x="6928497" y="4510240"/>
-            <a:ext cx="1869922" cy="1686047"/>
+            <a:off x="7245023" y="4795641"/>
+            <a:ext cx="1553396" cy="1400646"/>
           </a:xfrm>
           <a:prstGeom prst="rect">
             <a:avLst/>
@@ -7763,7 +7884,12 @@
             <p:ph type="ctrTitle"/>
           </p:nvPr>
         </p:nvSpPr>
-        <p:spPr/>
+        <p:spPr>
+          <a:xfrm>
+            <a:off x="1786467" y="563858"/>
+            <a:ext cx="7010142" cy="540000"/>
+          </a:xfrm>
+        </p:spPr>
         <p:txBody>
           <a:bodyPr>
             <a:normAutofit/>
@@ -9194,7 +9320,7 @@
           <p:nvPr/>
         </p:nvPicPr>
         <p:blipFill>
-          <a:blip r:embed="rId2" cstate="print">
+          <a:blip r:embed="rId3" cstate="print">
             <a:grayscl/>
             <a:extLst>
               <a:ext uri="{28A0092B-C50C-407E-A947-70E740481C1C}">
@@ -9236,7 +9362,7 @@
           <p:nvPr/>
         </p:nvPicPr>
         <p:blipFill>
-          <a:blip r:embed="rId2" cstate="print">
+          <a:blip r:embed="rId3" cstate="print">
             <a:grayscl/>
             <a:extLst>
               <a:ext uri="{28A0092B-C50C-407E-A947-70E740481C1C}">
@@ -9278,7 +9404,7 @@
           <p:nvPr/>
         </p:nvPicPr>
         <p:blipFill>
-          <a:blip r:embed="rId2" cstate="print">
+          <a:blip r:embed="rId3" cstate="print">
             <a:grayscl/>
             <a:extLst>
               <a:ext uri="{28A0092B-C50C-407E-A947-70E740481C1C}">
@@ -9320,7 +9446,7 @@
           <p:nvPr/>
         </p:nvPicPr>
         <p:blipFill>
-          <a:blip r:embed="rId2" cstate="print">
+          <a:blip r:embed="rId3" cstate="print">
             <a:grayscl/>
             <a:extLst>
               <a:ext uri="{28A0092B-C50C-407E-A947-70E740481C1C}">
@@ -9514,7 +9640,7 @@
           <p:nvPr/>
         </p:nvPicPr>
         <p:blipFill>
-          <a:blip r:embed="rId2" cstate="print">
+          <a:blip r:embed="rId3" cstate="print">
             <a:grayscl/>
             <a:extLst>
               <a:ext uri="{28A0092B-C50C-407E-A947-70E740481C1C}">
@@ -9556,7 +9682,7 @@
           <p:nvPr/>
         </p:nvPicPr>
         <p:blipFill>
-          <a:blip r:embed="rId2" cstate="print">
+          <a:blip r:embed="rId3" cstate="print">
             <a:grayscl/>
             <a:extLst>
               <a:ext uri="{28A0092B-C50C-407E-A947-70E740481C1C}">
@@ -9598,7 +9724,7 @@
           <p:nvPr/>
         </p:nvPicPr>
         <p:blipFill>
-          <a:blip r:embed="rId2" cstate="print">
+          <a:blip r:embed="rId3" cstate="print">
             <a:grayscl/>
             <a:extLst>
               <a:ext uri="{28A0092B-C50C-407E-A947-70E740481C1C}">
@@ -9640,7 +9766,7 @@
           <p:nvPr/>
         </p:nvPicPr>
         <p:blipFill>
-          <a:blip r:embed="rId2" cstate="print">
+          <a:blip r:embed="rId3" cstate="print">
             <a:grayscl/>
             <a:extLst>
               <a:ext uri="{28A0092B-C50C-407E-A947-70E740481C1C}">
@@ -9682,7 +9808,7 @@
           <p:nvPr/>
         </p:nvPicPr>
         <p:blipFill>
-          <a:blip r:embed="rId2" cstate="print">
+          <a:blip r:embed="rId3" cstate="print">
             <a:grayscl/>
             <a:extLst>
               <a:ext uri="{28A0092B-C50C-407E-A947-70E740481C1C}">
@@ -11134,23 +11260,6 @@
 </file>
 
 <file path=customXml/item1.xml><?xml version="1.0" encoding="utf-8"?>
-<?mso-contentType ?>
-<FormTemplates xmlns="http://schemas.microsoft.com/sharepoint/v3/contenttype/forms">
-  <Display>DocumentLibraryForm</Display>
-  <Edit>DocumentLibraryForm</Edit>
-  <New>DocumentLibraryForm</New>
-</FormTemplates>
-</file>
-
-<file path=customXml/item2.xml><?xml version="1.0" encoding="utf-8"?>
-<p:properties xmlns:p="http://schemas.microsoft.com/office/2006/metadata/properties" xmlns:xsi="http://www.w3.org/2001/XMLSchema-instance">
-  <documentManagement>
-    <AVMTitle xmlns="5091c847-84be-4f4f-b16c-c018ad2ca66b">Präsentation BFH_2013</AVMTitle>
-  </documentManagement>
-</p:properties>
-</file>
-
-<file path=customXml/item3.xml><?xml version="1.0" encoding="utf-8"?>
 <ct:contentTypeSchema xmlns:ct="http://schemas.microsoft.com/office/2006/metadata/contentType" xmlns:ma="http://schemas.microsoft.com/office/2006/metadata/properties/metaAttributes" ct:_="" ma:_="" ma:contentTypeName="Dokument" ma:contentTypeID="0x010100EBE3A9EFF36793468C03E2811ACE2A2B" ma:contentTypeVersion="1" ma:contentTypeDescription="Ein neues Dokument erstellen." ma:contentTypeScope="" ma:versionID="e65be32cb1bfff77fc8c9c09bf542651">
   <xsd:schema xmlns:xsd="http://www.w3.org/2001/XMLSchema" xmlns:p="http://schemas.microsoft.com/office/2006/metadata/properties" xmlns:ns2="5091c847-84be-4f4f-b16c-c018ad2ca66b" targetNamespace="http://schemas.microsoft.com/office/2006/metadata/properties" ma:root="true" ma:fieldsID="7636c84aed5b7d09a166fcef888725d4" ns2:_="">
     <xsd:import namespace="5091c847-84be-4f4f-b16c-c018ad2ca66b"/>
@@ -11210,10 +11319,36 @@
 </ct:contentTypeSchema>
 </file>
 
+<file path=customXml/item2.xml><?xml version="1.0" encoding="utf-8"?>
+<p:properties xmlns:p="http://schemas.microsoft.com/office/2006/metadata/properties" xmlns:xsi="http://www.w3.org/2001/XMLSchema-instance">
+  <documentManagement>
+    <AVMTitle xmlns="5091c847-84be-4f4f-b16c-c018ad2ca66b">Präsentation BFH_2013</AVMTitle>
+  </documentManagement>
+</p:properties>
+</file>
+
+<file path=customXml/item3.xml><?xml version="1.0" encoding="utf-8"?>
+<?mso-contentType ?>
+<FormTemplates xmlns="http://schemas.microsoft.com/sharepoint/v3/contenttype/forms">
+  <Display>DocumentLibraryForm</Display>
+  <Edit>DocumentLibraryForm</Edit>
+  <New>DocumentLibraryForm</New>
+</FormTemplates>
+</file>
+
 <file path=customXml/itemProps1.xml><?xml version="1.0" encoding="utf-8"?>
-<ds:datastoreItem xmlns:ds="http://schemas.openxmlformats.org/officeDocument/2006/customXml" ds:itemID="{1851D33F-E468-417B-A30C-509B68D2BD09}">
+<ds:datastoreItem xmlns:ds="http://schemas.openxmlformats.org/officeDocument/2006/customXml" ds:itemID="{15287BEA-F3FF-4B87-929B-5D0092183197}">
   <ds:schemaRefs>
-    <ds:schemaRef ds:uri="http://schemas.microsoft.com/sharepoint/v3/contenttype/forms"/>
+    <ds:schemaRef ds:uri="http://schemas.microsoft.com/office/2006/metadata/contentType"/>
+    <ds:schemaRef ds:uri="http://schemas.microsoft.com/office/2006/metadata/properties/metaAttributes"/>
+    <ds:schemaRef ds:uri="http://www.w3.org/2001/XMLSchema"/>
+    <ds:schemaRef ds:uri="http://schemas.microsoft.com/office/2006/metadata/properties"/>
+    <ds:schemaRef ds:uri="5091c847-84be-4f4f-b16c-c018ad2ca66b"/>
+    <ds:schemaRef ds:uri="http://schemas.microsoft.com/office/2006/documentManagement/types"/>
+    <ds:schemaRef ds:uri="http://schemas.openxmlformats.org/package/2006/metadata/core-properties"/>
+    <ds:schemaRef ds:uri="http://purl.org/dc/elements/1.1/"/>
+    <ds:schemaRef ds:uri="http://purl.org/dc/terms/"/>
+    <ds:schemaRef ds:uri="http://schemas.microsoft.com/office/internal/2005/internalDocumentation"/>
   </ds:schemaRefs>
 </ds:datastoreItem>
 </file>
@@ -11234,18 +11369,9 @@
 </file>
 
 <file path=customXml/itemProps3.xml><?xml version="1.0" encoding="utf-8"?>
-<ds:datastoreItem xmlns:ds="http://schemas.openxmlformats.org/officeDocument/2006/customXml" ds:itemID="{15287BEA-F3FF-4B87-929B-5D0092183197}">
+<ds:datastoreItem xmlns:ds="http://schemas.openxmlformats.org/officeDocument/2006/customXml" ds:itemID="{1851D33F-E468-417B-A30C-509B68D2BD09}">
   <ds:schemaRefs>
-    <ds:schemaRef ds:uri="http://schemas.microsoft.com/office/2006/metadata/contentType"/>
-    <ds:schemaRef ds:uri="http://schemas.microsoft.com/office/2006/metadata/properties/metaAttributes"/>
-    <ds:schemaRef ds:uri="http://www.w3.org/2001/XMLSchema"/>
-    <ds:schemaRef ds:uri="http://schemas.microsoft.com/office/2006/metadata/properties"/>
-    <ds:schemaRef ds:uri="5091c847-84be-4f4f-b16c-c018ad2ca66b"/>
-    <ds:schemaRef ds:uri="http://schemas.microsoft.com/office/2006/documentManagement/types"/>
-    <ds:schemaRef ds:uri="http://schemas.openxmlformats.org/package/2006/metadata/core-properties"/>
-    <ds:schemaRef ds:uri="http://purl.org/dc/elements/1.1/"/>
-    <ds:schemaRef ds:uri="http://purl.org/dc/terms/"/>
-    <ds:schemaRef ds:uri="http://schemas.microsoft.com/office/internal/2005/internalDocumentation"/>
+    <ds:schemaRef ds:uri="http://schemas.microsoft.com/sharepoint/v3/contenttype/forms"/>
   </ds:schemaRefs>
 </ds:datastoreItem>
 </file>